--- a/RapportDeStage.pptx
+++ b/RapportDeStage.pptx
@@ -6,22 +6,6 @@
   </p:sldMasterIdLst>
   <p:sldIdLst>
     <p:sldId id="256" r:id="rId2"/>
-    <p:sldId id="257" r:id="rId3"/>
-    <p:sldId id="258" r:id="rId4"/>
-    <p:sldId id="259" r:id="rId5"/>
-    <p:sldId id="260" r:id="rId6"/>
-    <p:sldId id="261" r:id="rId7"/>
-    <p:sldId id="262" r:id="rId8"/>
-    <p:sldId id="263" r:id="rId9"/>
-    <p:sldId id="264" r:id="rId10"/>
-    <p:sldId id="265" r:id="rId11"/>
-    <p:sldId id="266" r:id="rId12"/>
-    <p:sldId id="267" r:id="rId13"/>
-    <p:sldId id="268" r:id="rId14"/>
-    <p:sldId id="269" r:id="rId15"/>
-    <p:sldId id="270" r:id="rId16"/>
-    <p:sldId id="271" r:id="rId17"/>
-    <p:sldId id="272" r:id="rId18"/>
   </p:sldIdLst>
   <p:sldSz cx="12192000" cy="6858000"/>
   <p:notesSz cx="6858000" cy="9144000"/>
@@ -120,6 +104,11 @@
       </a:defRPr>
     </a:lvl9pPr>
   </p:defaultTextStyle>
+  <p:extLst>
+    <p:ext uri="{EFAFB233-063F-42B5-8137-9DF3F51BA10A}">
+      <p15:sldGuideLst xmlns:p15="http://schemas.microsoft.com/office/powerpoint/2012/main"/>
+    </p:ext>
+  </p:extLst>
 </p:presentation>
 </file>
 
@@ -254,7 +243,7 @@
           <a:p>
             <a:fld id="{6403784C-722D-47F6-B638-AC1F6AC01F9D}" type="datetimeFigureOut">
               <a:rPr lang="fr-FR" smtClean="0"/>
-              <a:t>18/09/2023</a:t>
+              <a:t>30/09/2023</a:t>
             </a:fld>
             <a:endParaRPr lang="fr-FR"/>
           </a:p>
@@ -424,7 +413,7 @@
           <a:p>
             <a:fld id="{6403784C-722D-47F6-B638-AC1F6AC01F9D}" type="datetimeFigureOut">
               <a:rPr lang="fr-FR" smtClean="0"/>
-              <a:t>18/09/2023</a:t>
+              <a:t>30/09/2023</a:t>
             </a:fld>
             <a:endParaRPr lang="fr-FR"/>
           </a:p>
@@ -604,7 +593,7 @@
           <a:p>
             <a:fld id="{6403784C-722D-47F6-B638-AC1F6AC01F9D}" type="datetimeFigureOut">
               <a:rPr lang="fr-FR" smtClean="0"/>
-              <a:t>18/09/2023</a:t>
+              <a:t>30/09/2023</a:t>
             </a:fld>
             <a:endParaRPr lang="fr-FR"/>
           </a:p>
@@ -774,7 +763,7 @@
           <a:p>
             <a:fld id="{6403784C-722D-47F6-B638-AC1F6AC01F9D}" type="datetimeFigureOut">
               <a:rPr lang="fr-FR" smtClean="0"/>
-              <a:t>18/09/2023</a:t>
+              <a:t>30/09/2023</a:t>
             </a:fld>
             <a:endParaRPr lang="fr-FR"/>
           </a:p>
@@ -944,7 +933,7 @@
           <a:p>
             <a:fld id="{6403784C-722D-47F6-B638-AC1F6AC01F9D}" type="datetimeFigureOut">
               <a:rPr lang="fr-FR" smtClean="0"/>
-              <a:t>18/09/2023</a:t>
+              <a:t>30/09/2023</a:t>
             </a:fld>
             <a:endParaRPr lang="fr-FR"/>
           </a:p>
@@ -1190,7 +1179,7 @@
           <a:p>
             <a:fld id="{6403784C-722D-47F6-B638-AC1F6AC01F9D}" type="datetimeFigureOut">
               <a:rPr lang="fr-FR" smtClean="0"/>
-              <a:t>18/09/2023</a:t>
+              <a:t>30/09/2023</a:t>
             </a:fld>
             <a:endParaRPr lang="fr-FR"/>
           </a:p>
@@ -1422,7 +1411,7 @@
           <a:p>
             <a:fld id="{6403784C-722D-47F6-B638-AC1F6AC01F9D}" type="datetimeFigureOut">
               <a:rPr lang="fr-FR" smtClean="0"/>
-              <a:t>18/09/2023</a:t>
+              <a:t>30/09/2023</a:t>
             </a:fld>
             <a:endParaRPr lang="fr-FR"/>
           </a:p>
@@ -1789,7 +1778,7 @@
           <a:p>
             <a:fld id="{6403784C-722D-47F6-B638-AC1F6AC01F9D}" type="datetimeFigureOut">
               <a:rPr lang="fr-FR" smtClean="0"/>
-              <a:t>18/09/2023</a:t>
+              <a:t>30/09/2023</a:t>
             </a:fld>
             <a:endParaRPr lang="fr-FR"/>
           </a:p>
@@ -1907,7 +1896,7 @@
           <a:p>
             <a:fld id="{6403784C-722D-47F6-B638-AC1F6AC01F9D}" type="datetimeFigureOut">
               <a:rPr lang="fr-FR" smtClean="0"/>
-              <a:t>18/09/2023</a:t>
+              <a:t>30/09/2023</a:t>
             </a:fld>
             <a:endParaRPr lang="fr-FR"/>
           </a:p>
@@ -2002,7 +1991,7 @@
           <a:p>
             <a:fld id="{6403784C-722D-47F6-B638-AC1F6AC01F9D}" type="datetimeFigureOut">
               <a:rPr lang="fr-FR" smtClean="0"/>
-              <a:t>18/09/2023</a:t>
+              <a:t>30/09/2023</a:t>
             </a:fld>
             <a:endParaRPr lang="fr-FR"/>
           </a:p>
@@ -2279,7 +2268,7 @@
           <a:p>
             <a:fld id="{6403784C-722D-47F6-B638-AC1F6AC01F9D}" type="datetimeFigureOut">
               <a:rPr lang="fr-FR" smtClean="0"/>
-              <a:t>18/09/2023</a:t>
+              <a:t>30/09/2023</a:t>
             </a:fld>
             <a:endParaRPr lang="fr-FR"/>
           </a:p>
@@ -2532,7 +2521,7 @@
           <a:p>
             <a:fld id="{6403784C-722D-47F6-B638-AC1F6AC01F9D}" type="datetimeFigureOut">
               <a:rPr lang="fr-FR" smtClean="0"/>
-              <a:t>18/09/2023</a:t>
+              <a:t>30/09/2023</a:t>
             </a:fld>
             <a:endParaRPr lang="fr-FR"/>
           </a:p>
@@ -2745,7 +2734,7 @@
           <a:p>
             <a:fld id="{6403784C-722D-47F6-B638-AC1F6AC01F9D}" type="datetimeFigureOut">
               <a:rPr lang="fr-FR" smtClean="0"/>
-              <a:t>18/09/2023</a:t>
+              <a:t>30/09/2023</a:t>
             </a:fld>
             <a:endParaRPr lang="fr-FR"/>
           </a:p>
@@ -3206,2879 +3195,6 @@
 </p:sld>
 </file>
 
-<file path=ppt/slides/slide10.xml><?xml version="1.0" encoding="utf-8"?>
-<p:sld xmlns:a="http://schemas.openxmlformats.org/drawingml/2006/main" xmlns:r="http://schemas.openxmlformats.org/officeDocument/2006/relationships" xmlns:p="http://schemas.openxmlformats.org/presentationml/2006/main">
-  <p:cSld>
-    <p:spTree>
-      <p:nvGrpSpPr>
-        <p:cNvPr id="1" name=""/>
-        <p:cNvGrpSpPr/>
-        <p:nvPr/>
-      </p:nvGrpSpPr>
-      <p:grpSpPr>
-        <a:xfrm>
-          <a:off x="0" y="0"/>
-          <a:ext cx="0" cy="0"/>
-          <a:chOff x="0" y="0"/>
-          <a:chExt cx="0" cy="0"/>
-        </a:xfrm>
-      </p:grpSpPr>
-      <p:sp>
-        <p:nvSpPr>
-          <p:cNvPr id="2" name="Titre 1"/>
-          <p:cNvSpPr>
-            <a:spLocks noGrp="1"/>
-          </p:cNvSpPr>
-          <p:nvPr>
-            <p:ph type="title"/>
-          </p:nvPr>
-        </p:nvSpPr>
-        <p:spPr/>
-        <p:txBody>
-          <a:bodyPr/>
-          <a:lstStyle/>
-          <a:p>
-            <a:endParaRPr lang="fr-FR"/>
-          </a:p>
-        </p:txBody>
-      </p:sp>
-      <p:sp>
-        <p:nvSpPr>
-          <p:cNvPr id="3" name="Espace réservé du texte 2"/>
-          <p:cNvSpPr>
-            <a:spLocks noGrp="1"/>
-          </p:cNvSpPr>
-          <p:nvPr>
-            <p:ph type="body" idx="1"/>
-          </p:nvPr>
-        </p:nvSpPr>
-        <p:spPr/>
-        <p:txBody>
-          <a:bodyPr/>
-          <a:lstStyle/>
-          <a:p>
-            <a:endParaRPr lang="fr-FR"/>
-          </a:p>
-        </p:txBody>
-      </p:sp>
-      <p:sp>
-        <p:nvSpPr>
-          <p:cNvPr id="4" name="ZoneTexte 3"/>
-          <p:cNvSpPr txBox="1"/>
-          <p:nvPr/>
-        </p:nvSpPr>
-        <p:spPr>
-          <a:xfrm>
-            <a:off x="635000" y="1270000"/>
-            <a:ext cx="10922000" cy="369332"/>
-          </a:xfrm>
-          <a:prstGeom prst="rect">
-            <a:avLst/>
-          </a:prstGeom>
-          <a:noFill/>
-        </p:spPr>
-        <p:txBody>
-          <a:bodyPr vert="horz" rtlCol="0">
-            <a:spAutoFit/>
-          </a:bodyPr>
-          <a:lstStyle/>
-          <a:p>
-            <a:r>
-              <a:rPr lang="fr-FR" smtClean="0"/>
-              <a:t>Section 8</a:t>
-            </a:r>
-            <a:endParaRPr lang="fr-FR"/>
-          </a:p>
-        </p:txBody>
-      </p:sp>
-      <p:sp>
-        <p:nvSpPr>
-          <p:cNvPr id="5" name="ZoneTexte 4"/>
-          <p:cNvSpPr txBox="1"/>
-          <p:nvPr/>
-        </p:nvSpPr>
-        <p:spPr>
-          <a:xfrm>
-            <a:off x="635000" y="2540000"/>
-            <a:ext cx="10922000" cy="369332"/>
-          </a:xfrm>
-          <a:prstGeom prst="rect">
-            <a:avLst/>
-          </a:prstGeom>
-          <a:noFill/>
-        </p:spPr>
-        <p:txBody>
-          <a:bodyPr vert="horz" rtlCol="0">
-            <a:spAutoFit/>
-          </a:bodyPr>
-          <a:lstStyle/>
-          <a:p>
-            <a:r>
-              <a:rPr lang="fr-FR" smtClean="0"/>
-              <a:t>Structure de la section 8</a:t>
-            </a:r>
-            <a:endParaRPr lang="fr-FR"/>
-          </a:p>
-        </p:txBody>
-      </p:sp>
-      <p:sp>
-        <p:nvSpPr>
-          <p:cNvPr id="6" name="ZoneTexte 5"/>
-          <p:cNvSpPr txBox="1"/>
-          <p:nvPr/>
-        </p:nvSpPr>
-        <p:spPr>
-          <a:xfrm>
-            <a:off x="635000" y="3810000"/>
-            <a:ext cx="10922000" cy="369332"/>
-          </a:xfrm>
-          <a:prstGeom prst="rect">
-            <a:avLst/>
-          </a:prstGeom>
-          <a:noFill/>
-        </p:spPr>
-        <p:txBody>
-          <a:bodyPr vert="horz" rtlCol="0">
-            <a:spAutoFit/>
-          </a:bodyPr>
-          <a:lstStyle/>
-          <a:p>
-            <a:r>
-              <a:rPr lang="fr-FR" smtClean="0"/>
-              <a:t>Titre de la section 8</a:t>
-            </a:r>
-            <a:endParaRPr lang="fr-FR"/>
-          </a:p>
-        </p:txBody>
-      </p:sp>
-      <p:sp>
-        <p:nvSpPr>
-          <p:cNvPr id="7" name="ZoneTexte 6"/>
-          <p:cNvSpPr txBox="1"/>
-          <p:nvPr/>
-        </p:nvSpPr>
-        <p:spPr>
-          <a:xfrm>
-            <a:off x="635000" y="5080000"/>
-            <a:ext cx="10922000" cy="369332"/>
-          </a:xfrm>
-          <a:prstGeom prst="rect">
-            <a:avLst/>
-          </a:prstGeom>
-          <a:noFill/>
-        </p:spPr>
-        <p:txBody>
-          <a:bodyPr vert="horz" rtlCol="0">
-            <a:spAutoFit/>
-          </a:bodyPr>
-          <a:lstStyle/>
-          <a:p>
-            <a:r>
-              <a:rPr lang="fr-FR" smtClean="0"/>
-              <a:t>Contenu de la section 8</a:t>
-            </a:r>
-            <a:endParaRPr lang="fr-FR"/>
-          </a:p>
-        </p:txBody>
-      </p:sp>
-    </p:spTree>
-    <p:extLst>
-      <p:ext uri="{BB962C8B-B14F-4D97-AF65-F5344CB8AC3E}">
-        <p14:creationId xmlns:p14="http://schemas.microsoft.com/office/powerpoint/2010/main" val="709254128"/>
-      </p:ext>
-    </p:extLst>
-  </p:cSld>
-  <p:clrMapOvr>
-    <a:masterClrMapping/>
-  </p:clrMapOvr>
-</p:sld>
-</file>
-
-<file path=ppt/slides/slide11.xml><?xml version="1.0" encoding="utf-8"?>
-<p:sld xmlns:a="http://schemas.openxmlformats.org/drawingml/2006/main" xmlns:r="http://schemas.openxmlformats.org/officeDocument/2006/relationships" xmlns:p="http://schemas.openxmlformats.org/presentationml/2006/main">
-  <p:cSld>
-    <p:spTree>
-      <p:nvGrpSpPr>
-        <p:cNvPr id="1" name=""/>
-        <p:cNvGrpSpPr/>
-        <p:nvPr/>
-      </p:nvGrpSpPr>
-      <p:grpSpPr>
-        <a:xfrm>
-          <a:off x="0" y="0"/>
-          <a:ext cx="0" cy="0"/>
-          <a:chOff x="0" y="0"/>
-          <a:chExt cx="0" cy="0"/>
-        </a:xfrm>
-      </p:grpSpPr>
-      <p:sp>
-        <p:nvSpPr>
-          <p:cNvPr id="2" name="Titre 1"/>
-          <p:cNvSpPr>
-            <a:spLocks noGrp="1"/>
-          </p:cNvSpPr>
-          <p:nvPr>
-            <p:ph type="title"/>
-          </p:nvPr>
-        </p:nvSpPr>
-        <p:spPr/>
-        <p:txBody>
-          <a:bodyPr/>
-          <a:lstStyle/>
-          <a:p>
-            <a:endParaRPr lang="fr-FR"/>
-          </a:p>
-        </p:txBody>
-      </p:sp>
-      <p:sp>
-        <p:nvSpPr>
-          <p:cNvPr id="3" name="Espace réservé du texte 2"/>
-          <p:cNvSpPr>
-            <a:spLocks noGrp="1"/>
-          </p:cNvSpPr>
-          <p:nvPr>
-            <p:ph type="body" idx="1"/>
-          </p:nvPr>
-        </p:nvSpPr>
-        <p:spPr/>
-        <p:txBody>
-          <a:bodyPr/>
-          <a:lstStyle/>
-          <a:p>
-            <a:endParaRPr lang="fr-FR"/>
-          </a:p>
-        </p:txBody>
-      </p:sp>
-      <p:sp>
-        <p:nvSpPr>
-          <p:cNvPr id="4" name="ZoneTexte 3"/>
-          <p:cNvSpPr txBox="1"/>
-          <p:nvPr/>
-        </p:nvSpPr>
-        <p:spPr>
-          <a:xfrm>
-            <a:off x="635000" y="1270000"/>
-            <a:ext cx="10922000" cy="369332"/>
-          </a:xfrm>
-          <a:prstGeom prst="rect">
-            <a:avLst/>
-          </a:prstGeom>
-          <a:noFill/>
-        </p:spPr>
-        <p:txBody>
-          <a:bodyPr vert="horz" rtlCol="0">
-            <a:spAutoFit/>
-          </a:bodyPr>
-          <a:lstStyle/>
-          <a:p>
-            <a:r>
-              <a:rPr lang="fr-FR" smtClean="0"/>
-              <a:t>Section 9</a:t>
-            </a:r>
-            <a:endParaRPr lang="fr-FR"/>
-          </a:p>
-        </p:txBody>
-      </p:sp>
-      <p:sp>
-        <p:nvSpPr>
-          <p:cNvPr id="5" name="ZoneTexte 4"/>
-          <p:cNvSpPr txBox="1"/>
-          <p:nvPr/>
-        </p:nvSpPr>
-        <p:spPr>
-          <a:xfrm>
-            <a:off x="635000" y="2540000"/>
-            <a:ext cx="10922000" cy="369332"/>
-          </a:xfrm>
-          <a:prstGeom prst="rect">
-            <a:avLst/>
-          </a:prstGeom>
-          <a:noFill/>
-        </p:spPr>
-        <p:txBody>
-          <a:bodyPr vert="horz" rtlCol="0">
-            <a:spAutoFit/>
-          </a:bodyPr>
-          <a:lstStyle/>
-          <a:p>
-            <a:r>
-              <a:rPr lang="fr-FR" smtClean="0"/>
-              <a:t>Structure de la section 9</a:t>
-            </a:r>
-            <a:endParaRPr lang="fr-FR"/>
-          </a:p>
-        </p:txBody>
-      </p:sp>
-      <p:sp>
-        <p:nvSpPr>
-          <p:cNvPr id="6" name="ZoneTexte 5"/>
-          <p:cNvSpPr txBox="1"/>
-          <p:nvPr/>
-        </p:nvSpPr>
-        <p:spPr>
-          <a:xfrm>
-            <a:off x="635000" y="3810000"/>
-            <a:ext cx="10922000" cy="369332"/>
-          </a:xfrm>
-          <a:prstGeom prst="rect">
-            <a:avLst/>
-          </a:prstGeom>
-          <a:noFill/>
-        </p:spPr>
-        <p:txBody>
-          <a:bodyPr vert="horz" rtlCol="0">
-            <a:spAutoFit/>
-          </a:bodyPr>
-          <a:lstStyle/>
-          <a:p>
-            <a:r>
-              <a:rPr lang="fr-FR" smtClean="0"/>
-              <a:t>Titre de la section 9</a:t>
-            </a:r>
-            <a:endParaRPr lang="fr-FR"/>
-          </a:p>
-        </p:txBody>
-      </p:sp>
-      <p:sp>
-        <p:nvSpPr>
-          <p:cNvPr id="7" name="ZoneTexte 6"/>
-          <p:cNvSpPr txBox="1"/>
-          <p:nvPr/>
-        </p:nvSpPr>
-        <p:spPr>
-          <a:xfrm>
-            <a:off x="635000" y="5080000"/>
-            <a:ext cx="10922000" cy="369332"/>
-          </a:xfrm>
-          <a:prstGeom prst="rect">
-            <a:avLst/>
-          </a:prstGeom>
-          <a:noFill/>
-        </p:spPr>
-        <p:txBody>
-          <a:bodyPr vert="horz" rtlCol="0">
-            <a:spAutoFit/>
-          </a:bodyPr>
-          <a:lstStyle/>
-          <a:p>
-            <a:r>
-              <a:rPr lang="fr-FR" smtClean="0"/>
-              <a:t>Contenu de la section 9</a:t>
-            </a:r>
-            <a:endParaRPr lang="fr-FR"/>
-          </a:p>
-        </p:txBody>
-      </p:sp>
-    </p:spTree>
-    <p:extLst>
-      <p:ext uri="{BB962C8B-B14F-4D97-AF65-F5344CB8AC3E}">
-        <p14:creationId xmlns:p14="http://schemas.microsoft.com/office/powerpoint/2010/main" val="3175527221"/>
-      </p:ext>
-    </p:extLst>
-  </p:cSld>
-  <p:clrMapOvr>
-    <a:masterClrMapping/>
-  </p:clrMapOvr>
-</p:sld>
-</file>
-
-<file path=ppt/slides/slide12.xml><?xml version="1.0" encoding="utf-8"?>
-<p:sld xmlns:a="http://schemas.openxmlformats.org/drawingml/2006/main" xmlns:r="http://schemas.openxmlformats.org/officeDocument/2006/relationships" xmlns:p="http://schemas.openxmlformats.org/presentationml/2006/main">
-  <p:cSld>
-    <p:spTree>
-      <p:nvGrpSpPr>
-        <p:cNvPr id="1" name=""/>
-        <p:cNvGrpSpPr/>
-        <p:nvPr/>
-      </p:nvGrpSpPr>
-      <p:grpSpPr>
-        <a:xfrm>
-          <a:off x="0" y="0"/>
-          <a:ext cx="0" cy="0"/>
-          <a:chOff x="0" y="0"/>
-          <a:chExt cx="0" cy="0"/>
-        </a:xfrm>
-      </p:grpSpPr>
-      <p:sp>
-        <p:nvSpPr>
-          <p:cNvPr id="2" name="Titre 1"/>
-          <p:cNvSpPr>
-            <a:spLocks noGrp="1"/>
-          </p:cNvSpPr>
-          <p:nvPr>
-            <p:ph type="title"/>
-          </p:nvPr>
-        </p:nvSpPr>
-        <p:spPr/>
-        <p:txBody>
-          <a:bodyPr/>
-          <a:lstStyle/>
-          <a:p>
-            <a:endParaRPr lang="fr-FR"/>
-          </a:p>
-        </p:txBody>
-      </p:sp>
-      <p:sp>
-        <p:nvSpPr>
-          <p:cNvPr id="3" name="Espace réservé du texte 2"/>
-          <p:cNvSpPr>
-            <a:spLocks noGrp="1"/>
-          </p:cNvSpPr>
-          <p:nvPr>
-            <p:ph type="body" idx="1"/>
-          </p:nvPr>
-        </p:nvSpPr>
-        <p:spPr/>
-        <p:txBody>
-          <a:bodyPr/>
-          <a:lstStyle/>
-          <a:p>
-            <a:endParaRPr lang="fr-FR"/>
-          </a:p>
-        </p:txBody>
-      </p:sp>
-      <p:sp>
-        <p:nvSpPr>
-          <p:cNvPr id="4" name="ZoneTexte 3"/>
-          <p:cNvSpPr txBox="1"/>
-          <p:nvPr/>
-        </p:nvSpPr>
-        <p:spPr>
-          <a:xfrm>
-            <a:off x="635000" y="1270000"/>
-            <a:ext cx="10922000" cy="369332"/>
-          </a:xfrm>
-          <a:prstGeom prst="rect">
-            <a:avLst/>
-          </a:prstGeom>
-          <a:noFill/>
-        </p:spPr>
-        <p:txBody>
-          <a:bodyPr vert="horz" rtlCol="0">
-            <a:spAutoFit/>
-          </a:bodyPr>
-          <a:lstStyle/>
-          <a:p>
-            <a:r>
-              <a:rPr lang="fr-FR" smtClean="0"/>
-              <a:t>Section 10</a:t>
-            </a:r>
-            <a:endParaRPr lang="fr-FR"/>
-          </a:p>
-        </p:txBody>
-      </p:sp>
-      <p:sp>
-        <p:nvSpPr>
-          <p:cNvPr id="5" name="ZoneTexte 4"/>
-          <p:cNvSpPr txBox="1"/>
-          <p:nvPr/>
-        </p:nvSpPr>
-        <p:spPr>
-          <a:xfrm>
-            <a:off x="635000" y="2540000"/>
-            <a:ext cx="10922000" cy="369332"/>
-          </a:xfrm>
-          <a:prstGeom prst="rect">
-            <a:avLst/>
-          </a:prstGeom>
-          <a:noFill/>
-        </p:spPr>
-        <p:txBody>
-          <a:bodyPr vert="horz" rtlCol="0">
-            <a:spAutoFit/>
-          </a:bodyPr>
-          <a:lstStyle/>
-          <a:p>
-            <a:r>
-              <a:rPr lang="fr-FR" smtClean="0"/>
-              <a:t>Structure de la section 10</a:t>
-            </a:r>
-            <a:endParaRPr lang="fr-FR"/>
-          </a:p>
-        </p:txBody>
-      </p:sp>
-      <p:sp>
-        <p:nvSpPr>
-          <p:cNvPr id="6" name="ZoneTexte 5"/>
-          <p:cNvSpPr txBox="1"/>
-          <p:nvPr/>
-        </p:nvSpPr>
-        <p:spPr>
-          <a:xfrm>
-            <a:off x="635000" y="3810000"/>
-            <a:ext cx="10922000" cy="369332"/>
-          </a:xfrm>
-          <a:prstGeom prst="rect">
-            <a:avLst/>
-          </a:prstGeom>
-          <a:noFill/>
-        </p:spPr>
-        <p:txBody>
-          <a:bodyPr vert="horz" rtlCol="0">
-            <a:spAutoFit/>
-          </a:bodyPr>
-          <a:lstStyle/>
-          <a:p>
-            <a:r>
-              <a:rPr lang="fr-FR" smtClean="0"/>
-              <a:t>Titre de la section 10</a:t>
-            </a:r>
-            <a:endParaRPr lang="fr-FR"/>
-          </a:p>
-        </p:txBody>
-      </p:sp>
-      <p:sp>
-        <p:nvSpPr>
-          <p:cNvPr id="7" name="ZoneTexte 6"/>
-          <p:cNvSpPr txBox="1"/>
-          <p:nvPr/>
-        </p:nvSpPr>
-        <p:spPr>
-          <a:xfrm>
-            <a:off x="635000" y="5080000"/>
-            <a:ext cx="10922000" cy="369332"/>
-          </a:xfrm>
-          <a:prstGeom prst="rect">
-            <a:avLst/>
-          </a:prstGeom>
-          <a:noFill/>
-        </p:spPr>
-        <p:txBody>
-          <a:bodyPr vert="horz" rtlCol="0">
-            <a:spAutoFit/>
-          </a:bodyPr>
-          <a:lstStyle/>
-          <a:p>
-            <a:r>
-              <a:rPr lang="fr-FR" smtClean="0"/>
-              <a:t>Contenu de la section 10</a:t>
-            </a:r>
-            <a:endParaRPr lang="fr-FR"/>
-          </a:p>
-        </p:txBody>
-      </p:sp>
-    </p:spTree>
-    <p:extLst>
-      <p:ext uri="{BB962C8B-B14F-4D97-AF65-F5344CB8AC3E}">
-        <p14:creationId xmlns:p14="http://schemas.microsoft.com/office/powerpoint/2010/main" val="1508311065"/>
-      </p:ext>
-    </p:extLst>
-  </p:cSld>
-  <p:clrMapOvr>
-    <a:masterClrMapping/>
-  </p:clrMapOvr>
-</p:sld>
-</file>
-
-<file path=ppt/slides/slide13.xml><?xml version="1.0" encoding="utf-8"?>
-<p:sld xmlns:a="http://schemas.openxmlformats.org/drawingml/2006/main" xmlns:r="http://schemas.openxmlformats.org/officeDocument/2006/relationships" xmlns:p="http://schemas.openxmlformats.org/presentationml/2006/main">
-  <p:cSld>
-    <p:spTree>
-      <p:nvGrpSpPr>
-        <p:cNvPr id="1" name=""/>
-        <p:cNvGrpSpPr/>
-        <p:nvPr/>
-      </p:nvGrpSpPr>
-      <p:grpSpPr>
-        <a:xfrm>
-          <a:off x="0" y="0"/>
-          <a:ext cx="0" cy="0"/>
-          <a:chOff x="0" y="0"/>
-          <a:chExt cx="0" cy="0"/>
-        </a:xfrm>
-      </p:grpSpPr>
-      <p:sp>
-        <p:nvSpPr>
-          <p:cNvPr id="2" name="Titre 1"/>
-          <p:cNvSpPr>
-            <a:spLocks noGrp="1"/>
-          </p:cNvSpPr>
-          <p:nvPr>
-            <p:ph type="title"/>
-          </p:nvPr>
-        </p:nvSpPr>
-        <p:spPr/>
-        <p:txBody>
-          <a:bodyPr/>
-          <a:lstStyle/>
-          <a:p>
-            <a:endParaRPr lang="fr-FR"/>
-          </a:p>
-        </p:txBody>
-      </p:sp>
-      <p:sp>
-        <p:nvSpPr>
-          <p:cNvPr id="3" name="Espace réservé du texte 2"/>
-          <p:cNvSpPr>
-            <a:spLocks noGrp="1"/>
-          </p:cNvSpPr>
-          <p:nvPr>
-            <p:ph type="body" idx="1"/>
-          </p:nvPr>
-        </p:nvSpPr>
-        <p:spPr/>
-        <p:txBody>
-          <a:bodyPr/>
-          <a:lstStyle/>
-          <a:p>
-            <a:endParaRPr lang="fr-FR"/>
-          </a:p>
-        </p:txBody>
-      </p:sp>
-      <p:sp>
-        <p:nvSpPr>
-          <p:cNvPr id="4" name="ZoneTexte 3"/>
-          <p:cNvSpPr txBox="1"/>
-          <p:nvPr/>
-        </p:nvSpPr>
-        <p:spPr>
-          <a:xfrm>
-            <a:off x="635000" y="1270000"/>
-            <a:ext cx="10922000" cy="369332"/>
-          </a:xfrm>
-          <a:prstGeom prst="rect">
-            <a:avLst/>
-          </a:prstGeom>
-          <a:noFill/>
-        </p:spPr>
-        <p:txBody>
-          <a:bodyPr vert="horz" rtlCol="0">
-            <a:spAutoFit/>
-          </a:bodyPr>
-          <a:lstStyle/>
-          <a:p>
-            <a:r>
-              <a:rPr lang="fr-FR" smtClean="0"/>
-              <a:t>Section 11</a:t>
-            </a:r>
-            <a:endParaRPr lang="fr-FR"/>
-          </a:p>
-        </p:txBody>
-      </p:sp>
-      <p:sp>
-        <p:nvSpPr>
-          <p:cNvPr id="5" name="ZoneTexte 4"/>
-          <p:cNvSpPr txBox="1"/>
-          <p:nvPr/>
-        </p:nvSpPr>
-        <p:spPr>
-          <a:xfrm>
-            <a:off x="635000" y="2540000"/>
-            <a:ext cx="10922000" cy="369332"/>
-          </a:xfrm>
-          <a:prstGeom prst="rect">
-            <a:avLst/>
-          </a:prstGeom>
-          <a:noFill/>
-        </p:spPr>
-        <p:txBody>
-          <a:bodyPr vert="horz" rtlCol="0">
-            <a:spAutoFit/>
-          </a:bodyPr>
-          <a:lstStyle/>
-          <a:p>
-            <a:r>
-              <a:rPr lang="fr-FR" smtClean="0"/>
-              <a:t>Structure de la section 11</a:t>
-            </a:r>
-            <a:endParaRPr lang="fr-FR"/>
-          </a:p>
-        </p:txBody>
-      </p:sp>
-      <p:sp>
-        <p:nvSpPr>
-          <p:cNvPr id="6" name="ZoneTexte 5"/>
-          <p:cNvSpPr txBox="1"/>
-          <p:nvPr/>
-        </p:nvSpPr>
-        <p:spPr>
-          <a:xfrm>
-            <a:off x="635000" y="3810000"/>
-            <a:ext cx="10922000" cy="369332"/>
-          </a:xfrm>
-          <a:prstGeom prst="rect">
-            <a:avLst/>
-          </a:prstGeom>
-          <a:noFill/>
-        </p:spPr>
-        <p:txBody>
-          <a:bodyPr vert="horz" rtlCol="0">
-            <a:spAutoFit/>
-          </a:bodyPr>
-          <a:lstStyle/>
-          <a:p>
-            <a:r>
-              <a:rPr lang="fr-FR" smtClean="0"/>
-              <a:t>Titre de la section 11</a:t>
-            </a:r>
-            <a:endParaRPr lang="fr-FR"/>
-          </a:p>
-        </p:txBody>
-      </p:sp>
-      <p:sp>
-        <p:nvSpPr>
-          <p:cNvPr id="7" name="ZoneTexte 6"/>
-          <p:cNvSpPr txBox="1"/>
-          <p:nvPr/>
-        </p:nvSpPr>
-        <p:spPr>
-          <a:xfrm>
-            <a:off x="635000" y="5080000"/>
-            <a:ext cx="10922000" cy="369332"/>
-          </a:xfrm>
-          <a:prstGeom prst="rect">
-            <a:avLst/>
-          </a:prstGeom>
-          <a:noFill/>
-        </p:spPr>
-        <p:txBody>
-          <a:bodyPr vert="horz" rtlCol="0">
-            <a:spAutoFit/>
-          </a:bodyPr>
-          <a:lstStyle/>
-          <a:p>
-            <a:r>
-              <a:rPr lang="fr-FR" smtClean="0"/>
-              <a:t>Contenu de la section 11</a:t>
-            </a:r>
-            <a:endParaRPr lang="fr-FR"/>
-          </a:p>
-        </p:txBody>
-      </p:sp>
-    </p:spTree>
-    <p:extLst>
-      <p:ext uri="{BB962C8B-B14F-4D97-AF65-F5344CB8AC3E}">
-        <p14:creationId xmlns:p14="http://schemas.microsoft.com/office/powerpoint/2010/main" val="750557521"/>
-      </p:ext>
-    </p:extLst>
-  </p:cSld>
-  <p:clrMapOvr>
-    <a:masterClrMapping/>
-  </p:clrMapOvr>
-</p:sld>
-</file>
-
-<file path=ppt/slides/slide14.xml><?xml version="1.0" encoding="utf-8"?>
-<p:sld xmlns:a="http://schemas.openxmlformats.org/drawingml/2006/main" xmlns:r="http://schemas.openxmlformats.org/officeDocument/2006/relationships" xmlns:p="http://schemas.openxmlformats.org/presentationml/2006/main">
-  <p:cSld>
-    <p:spTree>
-      <p:nvGrpSpPr>
-        <p:cNvPr id="1" name=""/>
-        <p:cNvGrpSpPr/>
-        <p:nvPr/>
-      </p:nvGrpSpPr>
-      <p:grpSpPr>
-        <a:xfrm>
-          <a:off x="0" y="0"/>
-          <a:ext cx="0" cy="0"/>
-          <a:chOff x="0" y="0"/>
-          <a:chExt cx="0" cy="0"/>
-        </a:xfrm>
-      </p:grpSpPr>
-      <p:sp>
-        <p:nvSpPr>
-          <p:cNvPr id="2" name="Titre 1"/>
-          <p:cNvSpPr>
-            <a:spLocks noGrp="1"/>
-          </p:cNvSpPr>
-          <p:nvPr>
-            <p:ph type="title"/>
-          </p:nvPr>
-        </p:nvSpPr>
-        <p:spPr/>
-        <p:txBody>
-          <a:bodyPr/>
-          <a:lstStyle/>
-          <a:p>
-            <a:endParaRPr lang="fr-FR"/>
-          </a:p>
-        </p:txBody>
-      </p:sp>
-      <p:sp>
-        <p:nvSpPr>
-          <p:cNvPr id="3" name="Espace réservé du texte 2"/>
-          <p:cNvSpPr>
-            <a:spLocks noGrp="1"/>
-          </p:cNvSpPr>
-          <p:nvPr>
-            <p:ph type="body" idx="1"/>
-          </p:nvPr>
-        </p:nvSpPr>
-        <p:spPr/>
-        <p:txBody>
-          <a:bodyPr/>
-          <a:lstStyle/>
-          <a:p>
-            <a:endParaRPr lang="fr-FR"/>
-          </a:p>
-        </p:txBody>
-      </p:sp>
-      <p:sp>
-        <p:nvSpPr>
-          <p:cNvPr id="4" name="ZoneTexte 3"/>
-          <p:cNvSpPr txBox="1"/>
-          <p:nvPr/>
-        </p:nvSpPr>
-        <p:spPr>
-          <a:xfrm>
-            <a:off x="635000" y="1270000"/>
-            <a:ext cx="10922000" cy="369332"/>
-          </a:xfrm>
-          <a:prstGeom prst="rect">
-            <a:avLst/>
-          </a:prstGeom>
-          <a:noFill/>
-        </p:spPr>
-        <p:txBody>
-          <a:bodyPr vert="horz" rtlCol="0">
-            <a:spAutoFit/>
-          </a:bodyPr>
-          <a:lstStyle/>
-          <a:p>
-            <a:r>
-              <a:rPr lang="fr-FR" smtClean="0"/>
-              <a:t>Section 12</a:t>
-            </a:r>
-            <a:endParaRPr lang="fr-FR"/>
-          </a:p>
-        </p:txBody>
-      </p:sp>
-      <p:sp>
-        <p:nvSpPr>
-          <p:cNvPr id="5" name="ZoneTexte 4"/>
-          <p:cNvSpPr txBox="1"/>
-          <p:nvPr/>
-        </p:nvSpPr>
-        <p:spPr>
-          <a:xfrm>
-            <a:off x="635000" y="2540000"/>
-            <a:ext cx="10922000" cy="369332"/>
-          </a:xfrm>
-          <a:prstGeom prst="rect">
-            <a:avLst/>
-          </a:prstGeom>
-          <a:noFill/>
-        </p:spPr>
-        <p:txBody>
-          <a:bodyPr vert="horz" rtlCol="0">
-            <a:spAutoFit/>
-          </a:bodyPr>
-          <a:lstStyle/>
-          <a:p>
-            <a:r>
-              <a:rPr lang="fr-FR" smtClean="0"/>
-              <a:t>Structure de la section 12</a:t>
-            </a:r>
-            <a:endParaRPr lang="fr-FR"/>
-          </a:p>
-        </p:txBody>
-      </p:sp>
-      <p:sp>
-        <p:nvSpPr>
-          <p:cNvPr id="6" name="ZoneTexte 5"/>
-          <p:cNvSpPr txBox="1"/>
-          <p:nvPr/>
-        </p:nvSpPr>
-        <p:spPr>
-          <a:xfrm>
-            <a:off x="635000" y="3810000"/>
-            <a:ext cx="10922000" cy="369332"/>
-          </a:xfrm>
-          <a:prstGeom prst="rect">
-            <a:avLst/>
-          </a:prstGeom>
-          <a:noFill/>
-        </p:spPr>
-        <p:txBody>
-          <a:bodyPr vert="horz" rtlCol="0">
-            <a:spAutoFit/>
-          </a:bodyPr>
-          <a:lstStyle/>
-          <a:p>
-            <a:r>
-              <a:rPr lang="fr-FR" smtClean="0"/>
-              <a:t>Titre de la section 12</a:t>
-            </a:r>
-            <a:endParaRPr lang="fr-FR"/>
-          </a:p>
-        </p:txBody>
-      </p:sp>
-      <p:sp>
-        <p:nvSpPr>
-          <p:cNvPr id="7" name="ZoneTexte 6"/>
-          <p:cNvSpPr txBox="1"/>
-          <p:nvPr/>
-        </p:nvSpPr>
-        <p:spPr>
-          <a:xfrm>
-            <a:off x="635000" y="5080000"/>
-            <a:ext cx="10922000" cy="369332"/>
-          </a:xfrm>
-          <a:prstGeom prst="rect">
-            <a:avLst/>
-          </a:prstGeom>
-          <a:noFill/>
-        </p:spPr>
-        <p:txBody>
-          <a:bodyPr vert="horz" rtlCol="0">
-            <a:spAutoFit/>
-          </a:bodyPr>
-          <a:lstStyle/>
-          <a:p>
-            <a:r>
-              <a:rPr lang="fr-FR" smtClean="0"/>
-              <a:t>Contenu de la section 12</a:t>
-            </a:r>
-            <a:endParaRPr lang="fr-FR"/>
-          </a:p>
-        </p:txBody>
-      </p:sp>
-    </p:spTree>
-    <p:extLst>
-      <p:ext uri="{BB962C8B-B14F-4D97-AF65-F5344CB8AC3E}">
-        <p14:creationId xmlns:p14="http://schemas.microsoft.com/office/powerpoint/2010/main" val="3986493671"/>
-      </p:ext>
-    </p:extLst>
-  </p:cSld>
-  <p:clrMapOvr>
-    <a:masterClrMapping/>
-  </p:clrMapOvr>
-</p:sld>
-</file>
-
-<file path=ppt/slides/slide15.xml><?xml version="1.0" encoding="utf-8"?>
-<p:sld xmlns:a="http://schemas.openxmlformats.org/drawingml/2006/main" xmlns:r="http://schemas.openxmlformats.org/officeDocument/2006/relationships" xmlns:p="http://schemas.openxmlformats.org/presentationml/2006/main">
-  <p:cSld>
-    <p:spTree>
-      <p:nvGrpSpPr>
-        <p:cNvPr id="1" name=""/>
-        <p:cNvGrpSpPr/>
-        <p:nvPr/>
-      </p:nvGrpSpPr>
-      <p:grpSpPr>
-        <a:xfrm>
-          <a:off x="0" y="0"/>
-          <a:ext cx="0" cy="0"/>
-          <a:chOff x="0" y="0"/>
-          <a:chExt cx="0" cy="0"/>
-        </a:xfrm>
-      </p:grpSpPr>
-      <p:sp>
-        <p:nvSpPr>
-          <p:cNvPr id="2" name="Titre 1"/>
-          <p:cNvSpPr>
-            <a:spLocks noGrp="1"/>
-          </p:cNvSpPr>
-          <p:nvPr>
-            <p:ph type="title"/>
-          </p:nvPr>
-        </p:nvSpPr>
-        <p:spPr/>
-        <p:txBody>
-          <a:bodyPr/>
-          <a:lstStyle/>
-          <a:p>
-            <a:endParaRPr lang="fr-FR"/>
-          </a:p>
-        </p:txBody>
-      </p:sp>
-      <p:sp>
-        <p:nvSpPr>
-          <p:cNvPr id="3" name="Espace réservé du texte 2"/>
-          <p:cNvSpPr>
-            <a:spLocks noGrp="1"/>
-          </p:cNvSpPr>
-          <p:nvPr>
-            <p:ph type="body" idx="1"/>
-          </p:nvPr>
-        </p:nvSpPr>
-        <p:spPr/>
-        <p:txBody>
-          <a:bodyPr/>
-          <a:lstStyle/>
-          <a:p>
-            <a:endParaRPr lang="fr-FR"/>
-          </a:p>
-        </p:txBody>
-      </p:sp>
-      <p:sp>
-        <p:nvSpPr>
-          <p:cNvPr id="4" name="ZoneTexte 3"/>
-          <p:cNvSpPr txBox="1"/>
-          <p:nvPr/>
-        </p:nvSpPr>
-        <p:spPr>
-          <a:xfrm>
-            <a:off x="635000" y="1270000"/>
-            <a:ext cx="10922000" cy="369332"/>
-          </a:xfrm>
-          <a:prstGeom prst="rect">
-            <a:avLst/>
-          </a:prstGeom>
-          <a:noFill/>
-        </p:spPr>
-        <p:txBody>
-          <a:bodyPr vert="horz" rtlCol="0">
-            <a:spAutoFit/>
-          </a:bodyPr>
-          <a:lstStyle/>
-          <a:p>
-            <a:r>
-              <a:rPr lang="fr-FR" smtClean="0"/>
-              <a:t>Section 13</a:t>
-            </a:r>
-            <a:endParaRPr lang="fr-FR"/>
-          </a:p>
-        </p:txBody>
-      </p:sp>
-      <p:sp>
-        <p:nvSpPr>
-          <p:cNvPr id="5" name="ZoneTexte 4"/>
-          <p:cNvSpPr txBox="1"/>
-          <p:nvPr/>
-        </p:nvSpPr>
-        <p:spPr>
-          <a:xfrm>
-            <a:off x="635000" y="2540000"/>
-            <a:ext cx="10922000" cy="369332"/>
-          </a:xfrm>
-          <a:prstGeom prst="rect">
-            <a:avLst/>
-          </a:prstGeom>
-          <a:noFill/>
-        </p:spPr>
-        <p:txBody>
-          <a:bodyPr vert="horz" rtlCol="0">
-            <a:spAutoFit/>
-          </a:bodyPr>
-          <a:lstStyle/>
-          <a:p>
-            <a:r>
-              <a:rPr lang="fr-FR" smtClean="0"/>
-              <a:t>Structure de la section 13</a:t>
-            </a:r>
-            <a:endParaRPr lang="fr-FR"/>
-          </a:p>
-        </p:txBody>
-      </p:sp>
-      <p:sp>
-        <p:nvSpPr>
-          <p:cNvPr id="6" name="ZoneTexte 5"/>
-          <p:cNvSpPr txBox="1"/>
-          <p:nvPr/>
-        </p:nvSpPr>
-        <p:spPr>
-          <a:xfrm>
-            <a:off x="635000" y="3810000"/>
-            <a:ext cx="10922000" cy="369332"/>
-          </a:xfrm>
-          <a:prstGeom prst="rect">
-            <a:avLst/>
-          </a:prstGeom>
-          <a:noFill/>
-        </p:spPr>
-        <p:txBody>
-          <a:bodyPr vert="horz" rtlCol="0">
-            <a:spAutoFit/>
-          </a:bodyPr>
-          <a:lstStyle/>
-          <a:p>
-            <a:r>
-              <a:rPr lang="fr-FR" smtClean="0"/>
-              <a:t>Titre de la section 13</a:t>
-            </a:r>
-            <a:endParaRPr lang="fr-FR"/>
-          </a:p>
-        </p:txBody>
-      </p:sp>
-      <p:sp>
-        <p:nvSpPr>
-          <p:cNvPr id="7" name="ZoneTexte 6"/>
-          <p:cNvSpPr txBox="1"/>
-          <p:nvPr/>
-        </p:nvSpPr>
-        <p:spPr>
-          <a:xfrm>
-            <a:off x="635000" y="5080000"/>
-            <a:ext cx="10922000" cy="369332"/>
-          </a:xfrm>
-          <a:prstGeom prst="rect">
-            <a:avLst/>
-          </a:prstGeom>
-          <a:noFill/>
-        </p:spPr>
-        <p:txBody>
-          <a:bodyPr vert="horz" rtlCol="0">
-            <a:spAutoFit/>
-          </a:bodyPr>
-          <a:lstStyle/>
-          <a:p>
-            <a:r>
-              <a:rPr lang="fr-FR" smtClean="0"/>
-              <a:t>Contenu de la section 13</a:t>
-            </a:r>
-            <a:endParaRPr lang="fr-FR"/>
-          </a:p>
-        </p:txBody>
-      </p:sp>
-    </p:spTree>
-    <p:extLst>
-      <p:ext uri="{BB962C8B-B14F-4D97-AF65-F5344CB8AC3E}">
-        <p14:creationId xmlns:p14="http://schemas.microsoft.com/office/powerpoint/2010/main" val="2537365090"/>
-      </p:ext>
-    </p:extLst>
-  </p:cSld>
-  <p:clrMapOvr>
-    <a:masterClrMapping/>
-  </p:clrMapOvr>
-</p:sld>
-</file>
-
-<file path=ppt/slides/slide16.xml><?xml version="1.0" encoding="utf-8"?>
-<p:sld xmlns:a="http://schemas.openxmlformats.org/drawingml/2006/main" xmlns:r="http://schemas.openxmlformats.org/officeDocument/2006/relationships" xmlns:p="http://schemas.openxmlformats.org/presentationml/2006/main">
-  <p:cSld>
-    <p:spTree>
-      <p:nvGrpSpPr>
-        <p:cNvPr id="1" name=""/>
-        <p:cNvGrpSpPr/>
-        <p:nvPr/>
-      </p:nvGrpSpPr>
-      <p:grpSpPr>
-        <a:xfrm>
-          <a:off x="0" y="0"/>
-          <a:ext cx="0" cy="0"/>
-          <a:chOff x="0" y="0"/>
-          <a:chExt cx="0" cy="0"/>
-        </a:xfrm>
-      </p:grpSpPr>
-      <p:sp>
-        <p:nvSpPr>
-          <p:cNvPr id="2" name="Titre 1"/>
-          <p:cNvSpPr>
-            <a:spLocks noGrp="1"/>
-          </p:cNvSpPr>
-          <p:nvPr>
-            <p:ph type="title"/>
-          </p:nvPr>
-        </p:nvSpPr>
-        <p:spPr/>
-        <p:txBody>
-          <a:bodyPr/>
-          <a:lstStyle/>
-          <a:p>
-            <a:endParaRPr lang="fr-FR"/>
-          </a:p>
-        </p:txBody>
-      </p:sp>
-      <p:sp>
-        <p:nvSpPr>
-          <p:cNvPr id="3" name="Espace réservé du texte 2"/>
-          <p:cNvSpPr>
-            <a:spLocks noGrp="1"/>
-          </p:cNvSpPr>
-          <p:nvPr>
-            <p:ph type="body" idx="1"/>
-          </p:nvPr>
-        </p:nvSpPr>
-        <p:spPr/>
-        <p:txBody>
-          <a:bodyPr/>
-          <a:lstStyle/>
-          <a:p>
-            <a:endParaRPr lang="fr-FR"/>
-          </a:p>
-        </p:txBody>
-      </p:sp>
-      <p:sp>
-        <p:nvSpPr>
-          <p:cNvPr id="4" name="ZoneTexte 3"/>
-          <p:cNvSpPr txBox="1"/>
-          <p:nvPr/>
-        </p:nvSpPr>
-        <p:spPr>
-          <a:xfrm>
-            <a:off x="635000" y="1270000"/>
-            <a:ext cx="10922000" cy="369332"/>
-          </a:xfrm>
-          <a:prstGeom prst="rect">
-            <a:avLst/>
-          </a:prstGeom>
-          <a:noFill/>
-        </p:spPr>
-        <p:txBody>
-          <a:bodyPr vert="horz" rtlCol="0">
-            <a:spAutoFit/>
-          </a:bodyPr>
-          <a:lstStyle/>
-          <a:p>
-            <a:r>
-              <a:rPr lang="fr-FR" smtClean="0"/>
-              <a:t>Section 14</a:t>
-            </a:r>
-            <a:endParaRPr lang="fr-FR"/>
-          </a:p>
-        </p:txBody>
-      </p:sp>
-      <p:sp>
-        <p:nvSpPr>
-          <p:cNvPr id="5" name="ZoneTexte 4"/>
-          <p:cNvSpPr txBox="1"/>
-          <p:nvPr/>
-        </p:nvSpPr>
-        <p:spPr>
-          <a:xfrm>
-            <a:off x="635000" y="2540000"/>
-            <a:ext cx="10922000" cy="369332"/>
-          </a:xfrm>
-          <a:prstGeom prst="rect">
-            <a:avLst/>
-          </a:prstGeom>
-          <a:noFill/>
-        </p:spPr>
-        <p:txBody>
-          <a:bodyPr vert="horz" rtlCol="0">
-            <a:spAutoFit/>
-          </a:bodyPr>
-          <a:lstStyle/>
-          <a:p>
-            <a:r>
-              <a:rPr lang="fr-FR" smtClean="0"/>
-              <a:t>Structure de la section 14</a:t>
-            </a:r>
-            <a:endParaRPr lang="fr-FR"/>
-          </a:p>
-        </p:txBody>
-      </p:sp>
-      <p:sp>
-        <p:nvSpPr>
-          <p:cNvPr id="6" name="ZoneTexte 5"/>
-          <p:cNvSpPr txBox="1"/>
-          <p:nvPr/>
-        </p:nvSpPr>
-        <p:spPr>
-          <a:xfrm>
-            <a:off x="635000" y="3810000"/>
-            <a:ext cx="10922000" cy="369332"/>
-          </a:xfrm>
-          <a:prstGeom prst="rect">
-            <a:avLst/>
-          </a:prstGeom>
-          <a:noFill/>
-        </p:spPr>
-        <p:txBody>
-          <a:bodyPr vert="horz" rtlCol="0">
-            <a:spAutoFit/>
-          </a:bodyPr>
-          <a:lstStyle/>
-          <a:p>
-            <a:r>
-              <a:rPr lang="fr-FR" smtClean="0"/>
-              <a:t>Titre de la section 14</a:t>
-            </a:r>
-            <a:endParaRPr lang="fr-FR"/>
-          </a:p>
-        </p:txBody>
-      </p:sp>
-      <p:sp>
-        <p:nvSpPr>
-          <p:cNvPr id="7" name="ZoneTexte 6"/>
-          <p:cNvSpPr txBox="1"/>
-          <p:nvPr/>
-        </p:nvSpPr>
-        <p:spPr>
-          <a:xfrm>
-            <a:off x="635000" y="5080000"/>
-            <a:ext cx="10922000" cy="369332"/>
-          </a:xfrm>
-          <a:prstGeom prst="rect">
-            <a:avLst/>
-          </a:prstGeom>
-          <a:noFill/>
-        </p:spPr>
-        <p:txBody>
-          <a:bodyPr vert="horz" rtlCol="0">
-            <a:spAutoFit/>
-          </a:bodyPr>
-          <a:lstStyle/>
-          <a:p>
-            <a:r>
-              <a:rPr lang="fr-FR" smtClean="0"/>
-              <a:t>Contenu de la section 14</a:t>
-            </a:r>
-            <a:endParaRPr lang="fr-FR"/>
-          </a:p>
-        </p:txBody>
-      </p:sp>
-    </p:spTree>
-    <p:extLst>
-      <p:ext uri="{BB962C8B-B14F-4D97-AF65-F5344CB8AC3E}">
-        <p14:creationId xmlns:p14="http://schemas.microsoft.com/office/powerpoint/2010/main" val="1250579155"/>
-      </p:ext>
-    </p:extLst>
-  </p:cSld>
-  <p:clrMapOvr>
-    <a:masterClrMapping/>
-  </p:clrMapOvr>
-</p:sld>
-</file>
-
-<file path=ppt/slides/slide17.xml><?xml version="1.0" encoding="utf-8"?>
-<p:sld xmlns:a="http://schemas.openxmlformats.org/drawingml/2006/main" xmlns:r="http://schemas.openxmlformats.org/officeDocument/2006/relationships" xmlns:p="http://schemas.openxmlformats.org/presentationml/2006/main">
-  <p:cSld>
-    <p:spTree>
-      <p:nvGrpSpPr>
-        <p:cNvPr id="1" name=""/>
-        <p:cNvGrpSpPr/>
-        <p:nvPr/>
-      </p:nvGrpSpPr>
-      <p:grpSpPr>
-        <a:xfrm>
-          <a:off x="0" y="0"/>
-          <a:ext cx="0" cy="0"/>
-          <a:chOff x="0" y="0"/>
-          <a:chExt cx="0" cy="0"/>
-        </a:xfrm>
-      </p:grpSpPr>
-      <p:sp>
-        <p:nvSpPr>
-          <p:cNvPr id="2" name="Titre 1"/>
-          <p:cNvSpPr>
-            <a:spLocks noGrp="1"/>
-          </p:cNvSpPr>
-          <p:nvPr>
-            <p:ph type="title"/>
-          </p:nvPr>
-        </p:nvSpPr>
-        <p:spPr/>
-        <p:txBody>
-          <a:bodyPr/>
-          <a:lstStyle/>
-          <a:p>
-            <a:endParaRPr lang="fr-FR"/>
-          </a:p>
-        </p:txBody>
-      </p:sp>
-      <p:sp>
-        <p:nvSpPr>
-          <p:cNvPr id="3" name="Espace réservé du texte 2"/>
-          <p:cNvSpPr>
-            <a:spLocks noGrp="1"/>
-          </p:cNvSpPr>
-          <p:nvPr>
-            <p:ph type="body" idx="1"/>
-          </p:nvPr>
-        </p:nvSpPr>
-        <p:spPr/>
-        <p:txBody>
-          <a:bodyPr/>
-          <a:lstStyle/>
-          <a:p>
-            <a:endParaRPr lang="fr-FR"/>
-          </a:p>
-        </p:txBody>
-      </p:sp>
-      <p:sp>
-        <p:nvSpPr>
-          <p:cNvPr id="4" name="ZoneTexte 3"/>
-          <p:cNvSpPr txBox="1"/>
-          <p:nvPr/>
-        </p:nvSpPr>
-        <p:spPr>
-          <a:xfrm>
-            <a:off x="635000" y="1270000"/>
-            <a:ext cx="10922000" cy="369332"/>
-          </a:xfrm>
-          <a:prstGeom prst="rect">
-            <a:avLst/>
-          </a:prstGeom>
-          <a:noFill/>
-        </p:spPr>
-        <p:txBody>
-          <a:bodyPr vert="horz" rtlCol="0">
-            <a:spAutoFit/>
-          </a:bodyPr>
-          <a:lstStyle/>
-          <a:p>
-            <a:r>
-              <a:rPr lang="fr-FR" smtClean="0"/>
-              <a:t>Section 15</a:t>
-            </a:r>
-            <a:endParaRPr lang="fr-FR"/>
-          </a:p>
-        </p:txBody>
-      </p:sp>
-      <p:sp>
-        <p:nvSpPr>
-          <p:cNvPr id="5" name="ZoneTexte 4"/>
-          <p:cNvSpPr txBox="1"/>
-          <p:nvPr/>
-        </p:nvSpPr>
-        <p:spPr>
-          <a:xfrm>
-            <a:off x="635000" y="2540000"/>
-            <a:ext cx="10922000" cy="369332"/>
-          </a:xfrm>
-          <a:prstGeom prst="rect">
-            <a:avLst/>
-          </a:prstGeom>
-          <a:noFill/>
-        </p:spPr>
-        <p:txBody>
-          <a:bodyPr vert="horz" rtlCol="0">
-            <a:spAutoFit/>
-          </a:bodyPr>
-          <a:lstStyle/>
-          <a:p>
-            <a:r>
-              <a:rPr lang="fr-FR" smtClean="0"/>
-              <a:t>Structure de la section 15</a:t>
-            </a:r>
-            <a:endParaRPr lang="fr-FR"/>
-          </a:p>
-        </p:txBody>
-      </p:sp>
-      <p:sp>
-        <p:nvSpPr>
-          <p:cNvPr id="6" name="ZoneTexte 5"/>
-          <p:cNvSpPr txBox="1"/>
-          <p:nvPr/>
-        </p:nvSpPr>
-        <p:spPr>
-          <a:xfrm>
-            <a:off x="635000" y="3810000"/>
-            <a:ext cx="10922000" cy="369332"/>
-          </a:xfrm>
-          <a:prstGeom prst="rect">
-            <a:avLst/>
-          </a:prstGeom>
-          <a:noFill/>
-        </p:spPr>
-        <p:txBody>
-          <a:bodyPr vert="horz" rtlCol="0">
-            <a:spAutoFit/>
-          </a:bodyPr>
-          <a:lstStyle/>
-          <a:p>
-            <a:r>
-              <a:rPr lang="fr-FR" smtClean="0"/>
-              <a:t>Titre de la section 15</a:t>
-            </a:r>
-            <a:endParaRPr lang="fr-FR"/>
-          </a:p>
-        </p:txBody>
-      </p:sp>
-      <p:sp>
-        <p:nvSpPr>
-          <p:cNvPr id="7" name="ZoneTexte 6"/>
-          <p:cNvSpPr txBox="1"/>
-          <p:nvPr/>
-        </p:nvSpPr>
-        <p:spPr>
-          <a:xfrm>
-            <a:off x="635000" y="5080000"/>
-            <a:ext cx="10922000" cy="369332"/>
-          </a:xfrm>
-          <a:prstGeom prst="rect">
-            <a:avLst/>
-          </a:prstGeom>
-          <a:noFill/>
-        </p:spPr>
-        <p:txBody>
-          <a:bodyPr vert="horz" rtlCol="0">
-            <a:spAutoFit/>
-          </a:bodyPr>
-          <a:lstStyle/>
-          <a:p>
-            <a:r>
-              <a:rPr lang="fr-FR" smtClean="0"/>
-              <a:t>Contenu de la section 15</a:t>
-            </a:r>
-            <a:endParaRPr lang="fr-FR"/>
-          </a:p>
-        </p:txBody>
-      </p:sp>
-    </p:spTree>
-    <p:extLst>
-      <p:ext uri="{BB962C8B-B14F-4D97-AF65-F5344CB8AC3E}">
-        <p14:creationId xmlns:p14="http://schemas.microsoft.com/office/powerpoint/2010/main" val="1565437682"/>
-      </p:ext>
-    </p:extLst>
-  </p:cSld>
-  <p:clrMapOvr>
-    <a:masterClrMapping/>
-  </p:clrMapOvr>
-</p:sld>
-</file>
-
-<file path=ppt/slides/slide2.xml><?xml version="1.0" encoding="utf-8"?>
-<p:sld xmlns:a="http://schemas.openxmlformats.org/drawingml/2006/main" xmlns:r="http://schemas.openxmlformats.org/officeDocument/2006/relationships" xmlns:p="http://schemas.openxmlformats.org/presentationml/2006/main">
-  <p:cSld>
-    <p:spTree>
-      <p:nvGrpSpPr>
-        <p:cNvPr id="1" name=""/>
-        <p:cNvGrpSpPr/>
-        <p:nvPr/>
-      </p:nvGrpSpPr>
-      <p:grpSpPr>
-        <a:xfrm>
-          <a:off x="0" y="0"/>
-          <a:ext cx="0" cy="0"/>
-          <a:chOff x="0" y="0"/>
-          <a:chExt cx="0" cy="0"/>
-        </a:xfrm>
-      </p:grpSpPr>
-      <p:sp>
-        <p:nvSpPr>
-          <p:cNvPr id="2" name="Titre 1"/>
-          <p:cNvSpPr>
-            <a:spLocks noGrp="1"/>
-          </p:cNvSpPr>
-          <p:nvPr>
-            <p:ph type="title"/>
-          </p:nvPr>
-        </p:nvSpPr>
-        <p:spPr/>
-        <p:txBody>
-          <a:bodyPr/>
-          <a:lstStyle/>
-          <a:p>
-            <a:r>
-              <a:rPr lang="fr-FR" smtClean="0"/>
-              <a:t>Sommaire</a:t>
-            </a:r>
-            <a:endParaRPr lang="fr-FR"/>
-          </a:p>
-        </p:txBody>
-      </p:sp>
-    </p:spTree>
-    <p:extLst>
-      <p:ext uri="{BB962C8B-B14F-4D97-AF65-F5344CB8AC3E}">
-        <p14:creationId xmlns:p14="http://schemas.microsoft.com/office/powerpoint/2010/main" val="652154727"/>
-      </p:ext>
-    </p:extLst>
-  </p:cSld>
-  <p:clrMapOvr>
-    <a:masterClrMapping/>
-  </p:clrMapOvr>
-</p:sld>
-</file>
-
-<file path=ppt/slides/slide3.xml><?xml version="1.0" encoding="utf-8"?>
-<p:sld xmlns:a="http://schemas.openxmlformats.org/drawingml/2006/main" xmlns:r="http://schemas.openxmlformats.org/officeDocument/2006/relationships" xmlns:p="http://schemas.openxmlformats.org/presentationml/2006/main">
-  <p:cSld>
-    <p:spTree>
-      <p:nvGrpSpPr>
-        <p:cNvPr id="1" name=""/>
-        <p:cNvGrpSpPr/>
-        <p:nvPr/>
-      </p:nvGrpSpPr>
-      <p:grpSpPr>
-        <a:xfrm>
-          <a:off x="0" y="0"/>
-          <a:ext cx="0" cy="0"/>
-          <a:chOff x="0" y="0"/>
-          <a:chExt cx="0" cy="0"/>
-        </a:xfrm>
-      </p:grpSpPr>
-      <p:sp>
-        <p:nvSpPr>
-          <p:cNvPr id="2" name="Titre 1"/>
-          <p:cNvSpPr>
-            <a:spLocks noGrp="1"/>
-          </p:cNvSpPr>
-          <p:nvPr>
-            <p:ph type="title"/>
-          </p:nvPr>
-        </p:nvSpPr>
-        <p:spPr/>
-        <p:txBody>
-          <a:bodyPr/>
-          <a:lstStyle/>
-          <a:p>
-            <a:endParaRPr lang="fr-FR"/>
-          </a:p>
-        </p:txBody>
-      </p:sp>
-      <p:sp>
-        <p:nvSpPr>
-          <p:cNvPr id="3" name="Espace réservé du texte 2"/>
-          <p:cNvSpPr>
-            <a:spLocks noGrp="1"/>
-          </p:cNvSpPr>
-          <p:nvPr>
-            <p:ph type="body" idx="1"/>
-          </p:nvPr>
-        </p:nvSpPr>
-        <p:spPr/>
-        <p:txBody>
-          <a:bodyPr/>
-          <a:lstStyle/>
-          <a:p>
-            <a:endParaRPr lang="fr-FR"/>
-          </a:p>
-        </p:txBody>
-      </p:sp>
-      <p:sp>
-        <p:nvSpPr>
-          <p:cNvPr id="4" name="ZoneTexte 3"/>
-          <p:cNvSpPr txBox="1"/>
-          <p:nvPr/>
-        </p:nvSpPr>
-        <p:spPr>
-          <a:xfrm>
-            <a:off x="635000" y="1270000"/>
-            <a:ext cx="10922000" cy="369332"/>
-          </a:xfrm>
-          <a:prstGeom prst="rect">
-            <a:avLst/>
-          </a:prstGeom>
-          <a:noFill/>
-        </p:spPr>
-        <p:txBody>
-          <a:bodyPr vert="horz" rtlCol="0">
-            <a:spAutoFit/>
-          </a:bodyPr>
-          <a:lstStyle/>
-          <a:p>
-            <a:r>
-              <a:rPr lang="fr-FR" smtClean="0"/>
-              <a:t>Section 1</a:t>
-            </a:r>
-            <a:endParaRPr lang="fr-FR"/>
-          </a:p>
-        </p:txBody>
-      </p:sp>
-      <p:sp>
-        <p:nvSpPr>
-          <p:cNvPr id="5" name="ZoneTexte 4"/>
-          <p:cNvSpPr txBox="1"/>
-          <p:nvPr/>
-        </p:nvSpPr>
-        <p:spPr>
-          <a:xfrm>
-            <a:off x="635000" y="2540000"/>
-            <a:ext cx="10922000" cy="369332"/>
-          </a:xfrm>
-          <a:prstGeom prst="rect">
-            <a:avLst/>
-          </a:prstGeom>
-          <a:noFill/>
-        </p:spPr>
-        <p:txBody>
-          <a:bodyPr vert="horz" rtlCol="0">
-            <a:spAutoFit/>
-          </a:bodyPr>
-          <a:lstStyle/>
-          <a:p>
-            <a:r>
-              <a:rPr lang="fr-FR" smtClean="0"/>
-              <a:t>Structure de la section 1</a:t>
-            </a:r>
-            <a:endParaRPr lang="fr-FR"/>
-          </a:p>
-        </p:txBody>
-      </p:sp>
-      <p:sp>
-        <p:nvSpPr>
-          <p:cNvPr id="6" name="ZoneTexte 5"/>
-          <p:cNvSpPr txBox="1"/>
-          <p:nvPr/>
-        </p:nvSpPr>
-        <p:spPr>
-          <a:xfrm>
-            <a:off x="635000" y="3810000"/>
-            <a:ext cx="10922000" cy="369332"/>
-          </a:xfrm>
-          <a:prstGeom prst="rect">
-            <a:avLst/>
-          </a:prstGeom>
-          <a:noFill/>
-        </p:spPr>
-        <p:txBody>
-          <a:bodyPr vert="horz" rtlCol="0">
-            <a:spAutoFit/>
-          </a:bodyPr>
-          <a:lstStyle/>
-          <a:p>
-            <a:r>
-              <a:rPr lang="fr-FR" smtClean="0"/>
-              <a:t>Titre de la section 1</a:t>
-            </a:r>
-            <a:endParaRPr lang="fr-FR"/>
-          </a:p>
-        </p:txBody>
-      </p:sp>
-      <p:sp>
-        <p:nvSpPr>
-          <p:cNvPr id="7" name="ZoneTexte 6"/>
-          <p:cNvSpPr txBox="1"/>
-          <p:nvPr/>
-        </p:nvSpPr>
-        <p:spPr>
-          <a:xfrm>
-            <a:off x="635000" y="5080000"/>
-            <a:ext cx="10922000" cy="369332"/>
-          </a:xfrm>
-          <a:prstGeom prst="rect">
-            <a:avLst/>
-          </a:prstGeom>
-          <a:noFill/>
-        </p:spPr>
-        <p:txBody>
-          <a:bodyPr vert="horz" rtlCol="0">
-            <a:spAutoFit/>
-          </a:bodyPr>
-          <a:lstStyle/>
-          <a:p>
-            <a:r>
-              <a:rPr lang="fr-FR" smtClean="0"/>
-              <a:t>Contenu de la section 1</a:t>
-            </a:r>
-            <a:endParaRPr lang="fr-FR"/>
-          </a:p>
-        </p:txBody>
-      </p:sp>
-    </p:spTree>
-    <p:extLst>
-      <p:ext uri="{BB962C8B-B14F-4D97-AF65-F5344CB8AC3E}">
-        <p14:creationId xmlns:p14="http://schemas.microsoft.com/office/powerpoint/2010/main" val="4141277661"/>
-      </p:ext>
-    </p:extLst>
-  </p:cSld>
-  <p:clrMapOvr>
-    <a:masterClrMapping/>
-  </p:clrMapOvr>
-</p:sld>
-</file>
-
-<file path=ppt/slides/slide4.xml><?xml version="1.0" encoding="utf-8"?>
-<p:sld xmlns:a="http://schemas.openxmlformats.org/drawingml/2006/main" xmlns:r="http://schemas.openxmlformats.org/officeDocument/2006/relationships" xmlns:p="http://schemas.openxmlformats.org/presentationml/2006/main">
-  <p:cSld>
-    <p:spTree>
-      <p:nvGrpSpPr>
-        <p:cNvPr id="1" name=""/>
-        <p:cNvGrpSpPr/>
-        <p:nvPr/>
-      </p:nvGrpSpPr>
-      <p:grpSpPr>
-        <a:xfrm>
-          <a:off x="0" y="0"/>
-          <a:ext cx="0" cy="0"/>
-          <a:chOff x="0" y="0"/>
-          <a:chExt cx="0" cy="0"/>
-        </a:xfrm>
-      </p:grpSpPr>
-      <p:sp>
-        <p:nvSpPr>
-          <p:cNvPr id="2" name="Titre 1"/>
-          <p:cNvSpPr>
-            <a:spLocks noGrp="1"/>
-          </p:cNvSpPr>
-          <p:nvPr>
-            <p:ph type="title"/>
-          </p:nvPr>
-        </p:nvSpPr>
-        <p:spPr/>
-        <p:txBody>
-          <a:bodyPr/>
-          <a:lstStyle/>
-          <a:p>
-            <a:endParaRPr lang="fr-FR"/>
-          </a:p>
-        </p:txBody>
-      </p:sp>
-      <p:sp>
-        <p:nvSpPr>
-          <p:cNvPr id="3" name="Espace réservé du texte 2"/>
-          <p:cNvSpPr>
-            <a:spLocks noGrp="1"/>
-          </p:cNvSpPr>
-          <p:nvPr>
-            <p:ph type="body" idx="1"/>
-          </p:nvPr>
-        </p:nvSpPr>
-        <p:spPr/>
-        <p:txBody>
-          <a:bodyPr/>
-          <a:lstStyle/>
-          <a:p>
-            <a:endParaRPr lang="fr-FR"/>
-          </a:p>
-        </p:txBody>
-      </p:sp>
-      <p:sp>
-        <p:nvSpPr>
-          <p:cNvPr id="4" name="ZoneTexte 3"/>
-          <p:cNvSpPr txBox="1"/>
-          <p:nvPr/>
-        </p:nvSpPr>
-        <p:spPr>
-          <a:xfrm>
-            <a:off x="635000" y="1270000"/>
-            <a:ext cx="10922000" cy="369332"/>
-          </a:xfrm>
-          <a:prstGeom prst="rect">
-            <a:avLst/>
-          </a:prstGeom>
-          <a:noFill/>
-        </p:spPr>
-        <p:txBody>
-          <a:bodyPr vert="horz" rtlCol="0">
-            <a:spAutoFit/>
-          </a:bodyPr>
-          <a:lstStyle/>
-          <a:p>
-            <a:r>
-              <a:rPr lang="fr-FR" smtClean="0"/>
-              <a:t>Section 2</a:t>
-            </a:r>
-            <a:endParaRPr lang="fr-FR"/>
-          </a:p>
-        </p:txBody>
-      </p:sp>
-      <p:sp>
-        <p:nvSpPr>
-          <p:cNvPr id="5" name="ZoneTexte 4"/>
-          <p:cNvSpPr txBox="1"/>
-          <p:nvPr/>
-        </p:nvSpPr>
-        <p:spPr>
-          <a:xfrm>
-            <a:off x="635000" y="2540000"/>
-            <a:ext cx="10922000" cy="369332"/>
-          </a:xfrm>
-          <a:prstGeom prst="rect">
-            <a:avLst/>
-          </a:prstGeom>
-          <a:noFill/>
-        </p:spPr>
-        <p:txBody>
-          <a:bodyPr vert="horz" rtlCol="0">
-            <a:spAutoFit/>
-          </a:bodyPr>
-          <a:lstStyle/>
-          <a:p>
-            <a:r>
-              <a:rPr lang="fr-FR" smtClean="0"/>
-              <a:t>Structure de la section 2</a:t>
-            </a:r>
-            <a:endParaRPr lang="fr-FR"/>
-          </a:p>
-        </p:txBody>
-      </p:sp>
-      <p:sp>
-        <p:nvSpPr>
-          <p:cNvPr id="6" name="ZoneTexte 5"/>
-          <p:cNvSpPr txBox="1"/>
-          <p:nvPr/>
-        </p:nvSpPr>
-        <p:spPr>
-          <a:xfrm>
-            <a:off x="635000" y="3810000"/>
-            <a:ext cx="10922000" cy="369332"/>
-          </a:xfrm>
-          <a:prstGeom prst="rect">
-            <a:avLst/>
-          </a:prstGeom>
-          <a:noFill/>
-        </p:spPr>
-        <p:txBody>
-          <a:bodyPr vert="horz" rtlCol="0">
-            <a:spAutoFit/>
-          </a:bodyPr>
-          <a:lstStyle/>
-          <a:p>
-            <a:r>
-              <a:rPr lang="fr-FR" smtClean="0"/>
-              <a:t>Titre de la section 2</a:t>
-            </a:r>
-            <a:endParaRPr lang="fr-FR"/>
-          </a:p>
-        </p:txBody>
-      </p:sp>
-      <p:sp>
-        <p:nvSpPr>
-          <p:cNvPr id="7" name="ZoneTexte 6"/>
-          <p:cNvSpPr txBox="1"/>
-          <p:nvPr/>
-        </p:nvSpPr>
-        <p:spPr>
-          <a:xfrm>
-            <a:off x="635000" y="5080000"/>
-            <a:ext cx="10922000" cy="369332"/>
-          </a:xfrm>
-          <a:prstGeom prst="rect">
-            <a:avLst/>
-          </a:prstGeom>
-          <a:noFill/>
-        </p:spPr>
-        <p:txBody>
-          <a:bodyPr vert="horz" rtlCol="0">
-            <a:spAutoFit/>
-          </a:bodyPr>
-          <a:lstStyle/>
-          <a:p>
-            <a:r>
-              <a:rPr lang="fr-FR" smtClean="0"/>
-              <a:t>Contenu de la section 2</a:t>
-            </a:r>
-            <a:endParaRPr lang="fr-FR"/>
-          </a:p>
-        </p:txBody>
-      </p:sp>
-    </p:spTree>
-    <p:extLst>
-      <p:ext uri="{BB962C8B-B14F-4D97-AF65-F5344CB8AC3E}">
-        <p14:creationId xmlns:p14="http://schemas.microsoft.com/office/powerpoint/2010/main" val="653269233"/>
-      </p:ext>
-    </p:extLst>
-  </p:cSld>
-  <p:clrMapOvr>
-    <a:masterClrMapping/>
-  </p:clrMapOvr>
-</p:sld>
-</file>
-
-<file path=ppt/slides/slide5.xml><?xml version="1.0" encoding="utf-8"?>
-<p:sld xmlns:a="http://schemas.openxmlformats.org/drawingml/2006/main" xmlns:r="http://schemas.openxmlformats.org/officeDocument/2006/relationships" xmlns:p="http://schemas.openxmlformats.org/presentationml/2006/main">
-  <p:cSld>
-    <p:spTree>
-      <p:nvGrpSpPr>
-        <p:cNvPr id="1" name=""/>
-        <p:cNvGrpSpPr/>
-        <p:nvPr/>
-      </p:nvGrpSpPr>
-      <p:grpSpPr>
-        <a:xfrm>
-          <a:off x="0" y="0"/>
-          <a:ext cx="0" cy="0"/>
-          <a:chOff x="0" y="0"/>
-          <a:chExt cx="0" cy="0"/>
-        </a:xfrm>
-      </p:grpSpPr>
-      <p:sp>
-        <p:nvSpPr>
-          <p:cNvPr id="2" name="Titre 1"/>
-          <p:cNvSpPr>
-            <a:spLocks noGrp="1"/>
-          </p:cNvSpPr>
-          <p:nvPr>
-            <p:ph type="title"/>
-          </p:nvPr>
-        </p:nvSpPr>
-        <p:spPr/>
-        <p:txBody>
-          <a:bodyPr/>
-          <a:lstStyle/>
-          <a:p>
-            <a:endParaRPr lang="fr-FR"/>
-          </a:p>
-        </p:txBody>
-      </p:sp>
-      <p:sp>
-        <p:nvSpPr>
-          <p:cNvPr id="3" name="Espace réservé du texte 2"/>
-          <p:cNvSpPr>
-            <a:spLocks noGrp="1"/>
-          </p:cNvSpPr>
-          <p:nvPr>
-            <p:ph type="body" idx="1"/>
-          </p:nvPr>
-        </p:nvSpPr>
-        <p:spPr/>
-        <p:txBody>
-          <a:bodyPr/>
-          <a:lstStyle/>
-          <a:p>
-            <a:endParaRPr lang="fr-FR"/>
-          </a:p>
-        </p:txBody>
-      </p:sp>
-      <p:sp>
-        <p:nvSpPr>
-          <p:cNvPr id="4" name="ZoneTexte 3"/>
-          <p:cNvSpPr txBox="1"/>
-          <p:nvPr/>
-        </p:nvSpPr>
-        <p:spPr>
-          <a:xfrm>
-            <a:off x="635000" y="1270000"/>
-            <a:ext cx="10922000" cy="369332"/>
-          </a:xfrm>
-          <a:prstGeom prst="rect">
-            <a:avLst/>
-          </a:prstGeom>
-          <a:noFill/>
-        </p:spPr>
-        <p:txBody>
-          <a:bodyPr vert="horz" rtlCol="0">
-            <a:spAutoFit/>
-          </a:bodyPr>
-          <a:lstStyle/>
-          <a:p>
-            <a:r>
-              <a:rPr lang="fr-FR" smtClean="0"/>
-              <a:t>Section 3</a:t>
-            </a:r>
-            <a:endParaRPr lang="fr-FR"/>
-          </a:p>
-        </p:txBody>
-      </p:sp>
-      <p:sp>
-        <p:nvSpPr>
-          <p:cNvPr id="5" name="ZoneTexte 4"/>
-          <p:cNvSpPr txBox="1"/>
-          <p:nvPr/>
-        </p:nvSpPr>
-        <p:spPr>
-          <a:xfrm>
-            <a:off x="635000" y="2540000"/>
-            <a:ext cx="10922000" cy="369332"/>
-          </a:xfrm>
-          <a:prstGeom prst="rect">
-            <a:avLst/>
-          </a:prstGeom>
-          <a:noFill/>
-        </p:spPr>
-        <p:txBody>
-          <a:bodyPr vert="horz" rtlCol="0">
-            <a:spAutoFit/>
-          </a:bodyPr>
-          <a:lstStyle/>
-          <a:p>
-            <a:r>
-              <a:rPr lang="fr-FR" smtClean="0"/>
-              <a:t>Structure de la section 3</a:t>
-            </a:r>
-            <a:endParaRPr lang="fr-FR"/>
-          </a:p>
-        </p:txBody>
-      </p:sp>
-      <p:sp>
-        <p:nvSpPr>
-          <p:cNvPr id="6" name="ZoneTexte 5"/>
-          <p:cNvSpPr txBox="1"/>
-          <p:nvPr/>
-        </p:nvSpPr>
-        <p:spPr>
-          <a:xfrm>
-            <a:off x="635000" y="3810000"/>
-            <a:ext cx="10922000" cy="369332"/>
-          </a:xfrm>
-          <a:prstGeom prst="rect">
-            <a:avLst/>
-          </a:prstGeom>
-          <a:noFill/>
-        </p:spPr>
-        <p:txBody>
-          <a:bodyPr vert="horz" rtlCol="0">
-            <a:spAutoFit/>
-          </a:bodyPr>
-          <a:lstStyle/>
-          <a:p>
-            <a:r>
-              <a:rPr lang="fr-FR" smtClean="0"/>
-              <a:t>Titre de la section 3</a:t>
-            </a:r>
-            <a:endParaRPr lang="fr-FR"/>
-          </a:p>
-        </p:txBody>
-      </p:sp>
-      <p:sp>
-        <p:nvSpPr>
-          <p:cNvPr id="7" name="ZoneTexte 6"/>
-          <p:cNvSpPr txBox="1"/>
-          <p:nvPr/>
-        </p:nvSpPr>
-        <p:spPr>
-          <a:xfrm>
-            <a:off x="635000" y="5080000"/>
-            <a:ext cx="10922000" cy="369332"/>
-          </a:xfrm>
-          <a:prstGeom prst="rect">
-            <a:avLst/>
-          </a:prstGeom>
-          <a:noFill/>
-        </p:spPr>
-        <p:txBody>
-          <a:bodyPr vert="horz" rtlCol="0">
-            <a:spAutoFit/>
-          </a:bodyPr>
-          <a:lstStyle/>
-          <a:p>
-            <a:r>
-              <a:rPr lang="fr-FR" smtClean="0"/>
-              <a:t>Contenu de la section 3</a:t>
-            </a:r>
-            <a:endParaRPr lang="fr-FR"/>
-          </a:p>
-        </p:txBody>
-      </p:sp>
-    </p:spTree>
-    <p:extLst>
-      <p:ext uri="{BB962C8B-B14F-4D97-AF65-F5344CB8AC3E}">
-        <p14:creationId xmlns:p14="http://schemas.microsoft.com/office/powerpoint/2010/main" val="170919795"/>
-      </p:ext>
-    </p:extLst>
-  </p:cSld>
-  <p:clrMapOvr>
-    <a:masterClrMapping/>
-  </p:clrMapOvr>
-</p:sld>
-</file>
-
-<file path=ppt/slides/slide6.xml><?xml version="1.0" encoding="utf-8"?>
-<p:sld xmlns:a="http://schemas.openxmlformats.org/drawingml/2006/main" xmlns:r="http://schemas.openxmlformats.org/officeDocument/2006/relationships" xmlns:p="http://schemas.openxmlformats.org/presentationml/2006/main">
-  <p:cSld>
-    <p:spTree>
-      <p:nvGrpSpPr>
-        <p:cNvPr id="1" name=""/>
-        <p:cNvGrpSpPr/>
-        <p:nvPr/>
-      </p:nvGrpSpPr>
-      <p:grpSpPr>
-        <a:xfrm>
-          <a:off x="0" y="0"/>
-          <a:ext cx="0" cy="0"/>
-          <a:chOff x="0" y="0"/>
-          <a:chExt cx="0" cy="0"/>
-        </a:xfrm>
-      </p:grpSpPr>
-      <p:sp>
-        <p:nvSpPr>
-          <p:cNvPr id="2" name="Titre 1"/>
-          <p:cNvSpPr>
-            <a:spLocks noGrp="1"/>
-          </p:cNvSpPr>
-          <p:nvPr>
-            <p:ph type="title"/>
-          </p:nvPr>
-        </p:nvSpPr>
-        <p:spPr/>
-        <p:txBody>
-          <a:bodyPr/>
-          <a:lstStyle/>
-          <a:p>
-            <a:endParaRPr lang="fr-FR"/>
-          </a:p>
-        </p:txBody>
-      </p:sp>
-      <p:sp>
-        <p:nvSpPr>
-          <p:cNvPr id="3" name="Espace réservé du texte 2"/>
-          <p:cNvSpPr>
-            <a:spLocks noGrp="1"/>
-          </p:cNvSpPr>
-          <p:nvPr>
-            <p:ph type="body" idx="1"/>
-          </p:nvPr>
-        </p:nvSpPr>
-        <p:spPr/>
-        <p:txBody>
-          <a:bodyPr/>
-          <a:lstStyle/>
-          <a:p>
-            <a:endParaRPr lang="fr-FR"/>
-          </a:p>
-        </p:txBody>
-      </p:sp>
-      <p:sp>
-        <p:nvSpPr>
-          <p:cNvPr id="4" name="ZoneTexte 3"/>
-          <p:cNvSpPr txBox="1"/>
-          <p:nvPr/>
-        </p:nvSpPr>
-        <p:spPr>
-          <a:xfrm>
-            <a:off x="635000" y="1270000"/>
-            <a:ext cx="10922000" cy="369332"/>
-          </a:xfrm>
-          <a:prstGeom prst="rect">
-            <a:avLst/>
-          </a:prstGeom>
-          <a:noFill/>
-        </p:spPr>
-        <p:txBody>
-          <a:bodyPr vert="horz" rtlCol="0">
-            <a:spAutoFit/>
-          </a:bodyPr>
-          <a:lstStyle/>
-          <a:p>
-            <a:r>
-              <a:rPr lang="fr-FR" smtClean="0"/>
-              <a:t>Section 4</a:t>
-            </a:r>
-            <a:endParaRPr lang="fr-FR"/>
-          </a:p>
-        </p:txBody>
-      </p:sp>
-      <p:sp>
-        <p:nvSpPr>
-          <p:cNvPr id="5" name="ZoneTexte 4"/>
-          <p:cNvSpPr txBox="1"/>
-          <p:nvPr/>
-        </p:nvSpPr>
-        <p:spPr>
-          <a:xfrm>
-            <a:off x="635000" y="2540000"/>
-            <a:ext cx="10922000" cy="369332"/>
-          </a:xfrm>
-          <a:prstGeom prst="rect">
-            <a:avLst/>
-          </a:prstGeom>
-          <a:noFill/>
-        </p:spPr>
-        <p:txBody>
-          <a:bodyPr vert="horz" rtlCol="0">
-            <a:spAutoFit/>
-          </a:bodyPr>
-          <a:lstStyle/>
-          <a:p>
-            <a:r>
-              <a:rPr lang="fr-FR" smtClean="0"/>
-              <a:t>Structure de la section 4</a:t>
-            </a:r>
-            <a:endParaRPr lang="fr-FR"/>
-          </a:p>
-        </p:txBody>
-      </p:sp>
-      <p:sp>
-        <p:nvSpPr>
-          <p:cNvPr id="6" name="ZoneTexte 5"/>
-          <p:cNvSpPr txBox="1"/>
-          <p:nvPr/>
-        </p:nvSpPr>
-        <p:spPr>
-          <a:xfrm>
-            <a:off x="635000" y="3810000"/>
-            <a:ext cx="10922000" cy="369332"/>
-          </a:xfrm>
-          <a:prstGeom prst="rect">
-            <a:avLst/>
-          </a:prstGeom>
-          <a:noFill/>
-        </p:spPr>
-        <p:txBody>
-          <a:bodyPr vert="horz" rtlCol="0">
-            <a:spAutoFit/>
-          </a:bodyPr>
-          <a:lstStyle/>
-          <a:p>
-            <a:r>
-              <a:rPr lang="fr-FR" smtClean="0"/>
-              <a:t>Titre de la section 4</a:t>
-            </a:r>
-            <a:endParaRPr lang="fr-FR"/>
-          </a:p>
-        </p:txBody>
-      </p:sp>
-      <p:sp>
-        <p:nvSpPr>
-          <p:cNvPr id="7" name="ZoneTexte 6"/>
-          <p:cNvSpPr txBox="1"/>
-          <p:nvPr/>
-        </p:nvSpPr>
-        <p:spPr>
-          <a:xfrm>
-            <a:off x="635000" y="5080000"/>
-            <a:ext cx="10922000" cy="369332"/>
-          </a:xfrm>
-          <a:prstGeom prst="rect">
-            <a:avLst/>
-          </a:prstGeom>
-          <a:noFill/>
-        </p:spPr>
-        <p:txBody>
-          <a:bodyPr vert="horz" rtlCol="0">
-            <a:spAutoFit/>
-          </a:bodyPr>
-          <a:lstStyle/>
-          <a:p>
-            <a:r>
-              <a:rPr lang="fr-FR" smtClean="0"/>
-              <a:t>Contenu de la section 4</a:t>
-            </a:r>
-            <a:endParaRPr lang="fr-FR"/>
-          </a:p>
-        </p:txBody>
-      </p:sp>
-    </p:spTree>
-    <p:extLst>
-      <p:ext uri="{BB962C8B-B14F-4D97-AF65-F5344CB8AC3E}">
-        <p14:creationId xmlns:p14="http://schemas.microsoft.com/office/powerpoint/2010/main" val="402549571"/>
-      </p:ext>
-    </p:extLst>
-  </p:cSld>
-  <p:clrMapOvr>
-    <a:masterClrMapping/>
-  </p:clrMapOvr>
-</p:sld>
-</file>
-
-<file path=ppt/slides/slide7.xml><?xml version="1.0" encoding="utf-8"?>
-<p:sld xmlns:a="http://schemas.openxmlformats.org/drawingml/2006/main" xmlns:r="http://schemas.openxmlformats.org/officeDocument/2006/relationships" xmlns:p="http://schemas.openxmlformats.org/presentationml/2006/main">
-  <p:cSld>
-    <p:spTree>
-      <p:nvGrpSpPr>
-        <p:cNvPr id="1" name=""/>
-        <p:cNvGrpSpPr/>
-        <p:nvPr/>
-      </p:nvGrpSpPr>
-      <p:grpSpPr>
-        <a:xfrm>
-          <a:off x="0" y="0"/>
-          <a:ext cx="0" cy="0"/>
-          <a:chOff x="0" y="0"/>
-          <a:chExt cx="0" cy="0"/>
-        </a:xfrm>
-      </p:grpSpPr>
-      <p:sp>
-        <p:nvSpPr>
-          <p:cNvPr id="2" name="Titre 1"/>
-          <p:cNvSpPr>
-            <a:spLocks noGrp="1"/>
-          </p:cNvSpPr>
-          <p:nvPr>
-            <p:ph type="title"/>
-          </p:nvPr>
-        </p:nvSpPr>
-        <p:spPr/>
-        <p:txBody>
-          <a:bodyPr/>
-          <a:lstStyle/>
-          <a:p>
-            <a:endParaRPr lang="fr-FR"/>
-          </a:p>
-        </p:txBody>
-      </p:sp>
-      <p:sp>
-        <p:nvSpPr>
-          <p:cNvPr id="3" name="Espace réservé du texte 2"/>
-          <p:cNvSpPr>
-            <a:spLocks noGrp="1"/>
-          </p:cNvSpPr>
-          <p:nvPr>
-            <p:ph type="body" idx="1"/>
-          </p:nvPr>
-        </p:nvSpPr>
-        <p:spPr/>
-        <p:txBody>
-          <a:bodyPr/>
-          <a:lstStyle/>
-          <a:p>
-            <a:endParaRPr lang="fr-FR"/>
-          </a:p>
-        </p:txBody>
-      </p:sp>
-      <p:sp>
-        <p:nvSpPr>
-          <p:cNvPr id="4" name="ZoneTexte 3"/>
-          <p:cNvSpPr txBox="1"/>
-          <p:nvPr/>
-        </p:nvSpPr>
-        <p:spPr>
-          <a:xfrm>
-            <a:off x="635000" y="1270000"/>
-            <a:ext cx="10922000" cy="369332"/>
-          </a:xfrm>
-          <a:prstGeom prst="rect">
-            <a:avLst/>
-          </a:prstGeom>
-          <a:noFill/>
-        </p:spPr>
-        <p:txBody>
-          <a:bodyPr vert="horz" rtlCol="0">
-            <a:spAutoFit/>
-          </a:bodyPr>
-          <a:lstStyle/>
-          <a:p>
-            <a:r>
-              <a:rPr lang="fr-FR" smtClean="0"/>
-              <a:t>Section 5</a:t>
-            </a:r>
-            <a:endParaRPr lang="fr-FR"/>
-          </a:p>
-        </p:txBody>
-      </p:sp>
-      <p:sp>
-        <p:nvSpPr>
-          <p:cNvPr id="5" name="ZoneTexte 4"/>
-          <p:cNvSpPr txBox="1"/>
-          <p:nvPr/>
-        </p:nvSpPr>
-        <p:spPr>
-          <a:xfrm>
-            <a:off x="635000" y="2540000"/>
-            <a:ext cx="10922000" cy="369332"/>
-          </a:xfrm>
-          <a:prstGeom prst="rect">
-            <a:avLst/>
-          </a:prstGeom>
-          <a:noFill/>
-        </p:spPr>
-        <p:txBody>
-          <a:bodyPr vert="horz" rtlCol="0">
-            <a:spAutoFit/>
-          </a:bodyPr>
-          <a:lstStyle/>
-          <a:p>
-            <a:r>
-              <a:rPr lang="fr-FR" smtClean="0"/>
-              <a:t>Structure de la section 5</a:t>
-            </a:r>
-            <a:endParaRPr lang="fr-FR"/>
-          </a:p>
-        </p:txBody>
-      </p:sp>
-      <p:sp>
-        <p:nvSpPr>
-          <p:cNvPr id="6" name="ZoneTexte 5"/>
-          <p:cNvSpPr txBox="1"/>
-          <p:nvPr/>
-        </p:nvSpPr>
-        <p:spPr>
-          <a:xfrm>
-            <a:off x="635000" y="3810000"/>
-            <a:ext cx="10922000" cy="369332"/>
-          </a:xfrm>
-          <a:prstGeom prst="rect">
-            <a:avLst/>
-          </a:prstGeom>
-          <a:noFill/>
-        </p:spPr>
-        <p:txBody>
-          <a:bodyPr vert="horz" rtlCol="0">
-            <a:spAutoFit/>
-          </a:bodyPr>
-          <a:lstStyle/>
-          <a:p>
-            <a:r>
-              <a:rPr lang="fr-FR" smtClean="0"/>
-              <a:t>Titre de la section 5</a:t>
-            </a:r>
-            <a:endParaRPr lang="fr-FR"/>
-          </a:p>
-        </p:txBody>
-      </p:sp>
-      <p:sp>
-        <p:nvSpPr>
-          <p:cNvPr id="7" name="ZoneTexte 6"/>
-          <p:cNvSpPr txBox="1"/>
-          <p:nvPr/>
-        </p:nvSpPr>
-        <p:spPr>
-          <a:xfrm>
-            <a:off x="635000" y="5080000"/>
-            <a:ext cx="10922000" cy="369332"/>
-          </a:xfrm>
-          <a:prstGeom prst="rect">
-            <a:avLst/>
-          </a:prstGeom>
-          <a:noFill/>
-        </p:spPr>
-        <p:txBody>
-          <a:bodyPr vert="horz" rtlCol="0">
-            <a:spAutoFit/>
-          </a:bodyPr>
-          <a:lstStyle/>
-          <a:p>
-            <a:r>
-              <a:rPr lang="fr-FR" smtClean="0"/>
-              <a:t>Contenu de la section 5</a:t>
-            </a:r>
-            <a:endParaRPr lang="fr-FR"/>
-          </a:p>
-        </p:txBody>
-      </p:sp>
-    </p:spTree>
-    <p:extLst>
-      <p:ext uri="{BB962C8B-B14F-4D97-AF65-F5344CB8AC3E}">
-        <p14:creationId xmlns:p14="http://schemas.microsoft.com/office/powerpoint/2010/main" val="1673827817"/>
-      </p:ext>
-    </p:extLst>
-  </p:cSld>
-  <p:clrMapOvr>
-    <a:masterClrMapping/>
-  </p:clrMapOvr>
-</p:sld>
-</file>
-
-<file path=ppt/slides/slide8.xml><?xml version="1.0" encoding="utf-8"?>
-<p:sld xmlns:a="http://schemas.openxmlformats.org/drawingml/2006/main" xmlns:r="http://schemas.openxmlformats.org/officeDocument/2006/relationships" xmlns:p="http://schemas.openxmlformats.org/presentationml/2006/main">
-  <p:cSld>
-    <p:spTree>
-      <p:nvGrpSpPr>
-        <p:cNvPr id="1" name=""/>
-        <p:cNvGrpSpPr/>
-        <p:nvPr/>
-      </p:nvGrpSpPr>
-      <p:grpSpPr>
-        <a:xfrm>
-          <a:off x="0" y="0"/>
-          <a:ext cx="0" cy="0"/>
-          <a:chOff x="0" y="0"/>
-          <a:chExt cx="0" cy="0"/>
-        </a:xfrm>
-      </p:grpSpPr>
-      <p:sp>
-        <p:nvSpPr>
-          <p:cNvPr id="2" name="Titre 1"/>
-          <p:cNvSpPr>
-            <a:spLocks noGrp="1"/>
-          </p:cNvSpPr>
-          <p:nvPr>
-            <p:ph type="title"/>
-          </p:nvPr>
-        </p:nvSpPr>
-        <p:spPr/>
-        <p:txBody>
-          <a:bodyPr/>
-          <a:lstStyle/>
-          <a:p>
-            <a:endParaRPr lang="fr-FR"/>
-          </a:p>
-        </p:txBody>
-      </p:sp>
-      <p:sp>
-        <p:nvSpPr>
-          <p:cNvPr id="3" name="Espace réservé du texte 2"/>
-          <p:cNvSpPr>
-            <a:spLocks noGrp="1"/>
-          </p:cNvSpPr>
-          <p:nvPr>
-            <p:ph type="body" idx="1"/>
-          </p:nvPr>
-        </p:nvSpPr>
-        <p:spPr/>
-        <p:txBody>
-          <a:bodyPr/>
-          <a:lstStyle/>
-          <a:p>
-            <a:endParaRPr lang="fr-FR"/>
-          </a:p>
-        </p:txBody>
-      </p:sp>
-      <p:sp>
-        <p:nvSpPr>
-          <p:cNvPr id="4" name="ZoneTexte 3"/>
-          <p:cNvSpPr txBox="1"/>
-          <p:nvPr/>
-        </p:nvSpPr>
-        <p:spPr>
-          <a:xfrm>
-            <a:off x="635000" y="1270000"/>
-            <a:ext cx="10922000" cy="369332"/>
-          </a:xfrm>
-          <a:prstGeom prst="rect">
-            <a:avLst/>
-          </a:prstGeom>
-          <a:noFill/>
-        </p:spPr>
-        <p:txBody>
-          <a:bodyPr vert="horz" rtlCol="0">
-            <a:spAutoFit/>
-          </a:bodyPr>
-          <a:lstStyle/>
-          <a:p>
-            <a:r>
-              <a:rPr lang="fr-FR" smtClean="0"/>
-              <a:t>Section 6</a:t>
-            </a:r>
-            <a:endParaRPr lang="fr-FR"/>
-          </a:p>
-        </p:txBody>
-      </p:sp>
-      <p:sp>
-        <p:nvSpPr>
-          <p:cNvPr id="5" name="ZoneTexte 4"/>
-          <p:cNvSpPr txBox="1"/>
-          <p:nvPr/>
-        </p:nvSpPr>
-        <p:spPr>
-          <a:xfrm>
-            <a:off x="635000" y="2540000"/>
-            <a:ext cx="10922000" cy="369332"/>
-          </a:xfrm>
-          <a:prstGeom prst="rect">
-            <a:avLst/>
-          </a:prstGeom>
-          <a:noFill/>
-        </p:spPr>
-        <p:txBody>
-          <a:bodyPr vert="horz" rtlCol="0">
-            <a:spAutoFit/>
-          </a:bodyPr>
-          <a:lstStyle/>
-          <a:p>
-            <a:r>
-              <a:rPr lang="fr-FR" smtClean="0"/>
-              <a:t>Structure de la section 6</a:t>
-            </a:r>
-            <a:endParaRPr lang="fr-FR"/>
-          </a:p>
-        </p:txBody>
-      </p:sp>
-      <p:sp>
-        <p:nvSpPr>
-          <p:cNvPr id="6" name="ZoneTexte 5"/>
-          <p:cNvSpPr txBox="1"/>
-          <p:nvPr/>
-        </p:nvSpPr>
-        <p:spPr>
-          <a:xfrm>
-            <a:off x="635000" y="3810000"/>
-            <a:ext cx="10922000" cy="369332"/>
-          </a:xfrm>
-          <a:prstGeom prst="rect">
-            <a:avLst/>
-          </a:prstGeom>
-          <a:noFill/>
-        </p:spPr>
-        <p:txBody>
-          <a:bodyPr vert="horz" rtlCol="0">
-            <a:spAutoFit/>
-          </a:bodyPr>
-          <a:lstStyle/>
-          <a:p>
-            <a:r>
-              <a:rPr lang="fr-FR" smtClean="0"/>
-              <a:t>Titre de la section 6</a:t>
-            </a:r>
-            <a:endParaRPr lang="fr-FR"/>
-          </a:p>
-        </p:txBody>
-      </p:sp>
-      <p:sp>
-        <p:nvSpPr>
-          <p:cNvPr id="7" name="ZoneTexte 6"/>
-          <p:cNvSpPr txBox="1"/>
-          <p:nvPr/>
-        </p:nvSpPr>
-        <p:spPr>
-          <a:xfrm>
-            <a:off x="635000" y="5080000"/>
-            <a:ext cx="10922000" cy="369332"/>
-          </a:xfrm>
-          <a:prstGeom prst="rect">
-            <a:avLst/>
-          </a:prstGeom>
-          <a:noFill/>
-        </p:spPr>
-        <p:txBody>
-          <a:bodyPr vert="horz" rtlCol="0">
-            <a:spAutoFit/>
-          </a:bodyPr>
-          <a:lstStyle/>
-          <a:p>
-            <a:r>
-              <a:rPr lang="fr-FR" smtClean="0"/>
-              <a:t>Contenu de la section 6</a:t>
-            </a:r>
-            <a:endParaRPr lang="fr-FR"/>
-          </a:p>
-        </p:txBody>
-      </p:sp>
-    </p:spTree>
-    <p:extLst>
-      <p:ext uri="{BB962C8B-B14F-4D97-AF65-F5344CB8AC3E}">
-        <p14:creationId xmlns:p14="http://schemas.microsoft.com/office/powerpoint/2010/main" val="3658129078"/>
-      </p:ext>
-    </p:extLst>
-  </p:cSld>
-  <p:clrMapOvr>
-    <a:masterClrMapping/>
-  </p:clrMapOvr>
-</p:sld>
-</file>
-
-<file path=ppt/slides/slide9.xml><?xml version="1.0" encoding="utf-8"?>
-<p:sld xmlns:a="http://schemas.openxmlformats.org/drawingml/2006/main" xmlns:r="http://schemas.openxmlformats.org/officeDocument/2006/relationships" xmlns:p="http://schemas.openxmlformats.org/presentationml/2006/main">
-  <p:cSld>
-    <p:spTree>
-      <p:nvGrpSpPr>
-        <p:cNvPr id="1" name=""/>
-        <p:cNvGrpSpPr/>
-        <p:nvPr/>
-      </p:nvGrpSpPr>
-      <p:grpSpPr>
-        <a:xfrm>
-          <a:off x="0" y="0"/>
-          <a:ext cx="0" cy="0"/>
-          <a:chOff x="0" y="0"/>
-          <a:chExt cx="0" cy="0"/>
-        </a:xfrm>
-      </p:grpSpPr>
-      <p:sp>
-        <p:nvSpPr>
-          <p:cNvPr id="2" name="Titre 1"/>
-          <p:cNvSpPr>
-            <a:spLocks noGrp="1"/>
-          </p:cNvSpPr>
-          <p:nvPr>
-            <p:ph type="title"/>
-          </p:nvPr>
-        </p:nvSpPr>
-        <p:spPr/>
-        <p:txBody>
-          <a:bodyPr/>
-          <a:lstStyle/>
-          <a:p>
-            <a:endParaRPr lang="fr-FR"/>
-          </a:p>
-        </p:txBody>
-      </p:sp>
-      <p:sp>
-        <p:nvSpPr>
-          <p:cNvPr id="3" name="Espace réservé du texte 2"/>
-          <p:cNvSpPr>
-            <a:spLocks noGrp="1"/>
-          </p:cNvSpPr>
-          <p:nvPr>
-            <p:ph type="body" idx="1"/>
-          </p:nvPr>
-        </p:nvSpPr>
-        <p:spPr/>
-        <p:txBody>
-          <a:bodyPr/>
-          <a:lstStyle/>
-          <a:p>
-            <a:endParaRPr lang="fr-FR"/>
-          </a:p>
-        </p:txBody>
-      </p:sp>
-      <p:sp>
-        <p:nvSpPr>
-          <p:cNvPr id="4" name="ZoneTexte 3"/>
-          <p:cNvSpPr txBox="1"/>
-          <p:nvPr/>
-        </p:nvSpPr>
-        <p:spPr>
-          <a:xfrm>
-            <a:off x="635000" y="1270000"/>
-            <a:ext cx="10922000" cy="369332"/>
-          </a:xfrm>
-          <a:prstGeom prst="rect">
-            <a:avLst/>
-          </a:prstGeom>
-          <a:noFill/>
-        </p:spPr>
-        <p:txBody>
-          <a:bodyPr vert="horz" rtlCol="0">
-            <a:spAutoFit/>
-          </a:bodyPr>
-          <a:lstStyle/>
-          <a:p>
-            <a:r>
-              <a:rPr lang="fr-FR" smtClean="0"/>
-              <a:t>Section 7</a:t>
-            </a:r>
-            <a:endParaRPr lang="fr-FR"/>
-          </a:p>
-        </p:txBody>
-      </p:sp>
-      <p:sp>
-        <p:nvSpPr>
-          <p:cNvPr id="5" name="ZoneTexte 4"/>
-          <p:cNvSpPr txBox="1"/>
-          <p:nvPr/>
-        </p:nvSpPr>
-        <p:spPr>
-          <a:xfrm>
-            <a:off x="635000" y="2540000"/>
-            <a:ext cx="10922000" cy="369332"/>
-          </a:xfrm>
-          <a:prstGeom prst="rect">
-            <a:avLst/>
-          </a:prstGeom>
-          <a:noFill/>
-        </p:spPr>
-        <p:txBody>
-          <a:bodyPr vert="horz" rtlCol="0">
-            <a:spAutoFit/>
-          </a:bodyPr>
-          <a:lstStyle/>
-          <a:p>
-            <a:r>
-              <a:rPr lang="fr-FR" smtClean="0"/>
-              <a:t>Structure de la section 7</a:t>
-            </a:r>
-            <a:endParaRPr lang="fr-FR"/>
-          </a:p>
-        </p:txBody>
-      </p:sp>
-      <p:sp>
-        <p:nvSpPr>
-          <p:cNvPr id="6" name="ZoneTexte 5"/>
-          <p:cNvSpPr txBox="1"/>
-          <p:nvPr/>
-        </p:nvSpPr>
-        <p:spPr>
-          <a:xfrm>
-            <a:off x="635000" y="3810000"/>
-            <a:ext cx="10922000" cy="369332"/>
-          </a:xfrm>
-          <a:prstGeom prst="rect">
-            <a:avLst/>
-          </a:prstGeom>
-          <a:noFill/>
-        </p:spPr>
-        <p:txBody>
-          <a:bodyPr vert="horz" rtlCol="0">
-            <a:spAutoFit/>
-          </a:bodyPr>
-          <a:lstStyle/>
-          <a:p>
-            <a:r>
-              <a:rPr lang="fr-FR" smtClean="0"/>
-              <a:t>Titre de la section 7</a:t>
-            </a:r>
-            <a:endParaRPr lang="fr-FR"/>
-          </a:p>
-        </p:txBody>
-      </p:sp>
-      <p:sp>
-        <p:nvSpPr>
-          <p:cNvPr id="7" name="ZoneTexte 6"/>
-          <p:cNvSpPr txBox="1"/>
-          <p:nvPr/>
-        </p:nvSpPr>
-        <p:spPr>
-          <a:xfrm>
-            <a:off x="635000" y="5080000"/>
-            <a:ext cx="10922000" cy="369332"/>
-          </a:xfrm>
-          <a:prstGeom prst="rect">
-            <a:avLst/>
-          </a:prstGeom>
-          <a:noFill/>
-        </p:spPr>
-        <p:txBody>
-          <a:bodyPr vert="horz" rtlCol="0">
-            <a:spAutoFit/>
-          </a:bodyPr>
-          <a:lstStyle/>
-          <a:p>
-            <a:r>
-              <a:rPr lang="fr-FR" smtClean="0"/>
-              <a:t>Contenu de la section 7</a:t>
-            </a:r>
-            <a:endParaRPr lang="fr-FR"/>
-          </a:p>
-        </p:txBody>
-      </p:sp>
-    </p:spTree>
-    <p:extLst>
-      <p:ext uri="{BB962C8B-B14F-4D97-AF65-F5344CB8AC3E}">
-        <p14:creationId xmlns:p14="http://schemas.microsoft.com/office/powerpoint/2010/main" val="282014919"/>
-      </p:ext>
-    </p:extLst>
-  </p:cSld>
-  <p:clrMapOvr>
-    <a:masterClrMapping/>
-  </p:clrMapOvr>
-</p:sld>
-</file>
-
 <file path=ppt/theme/theme1.xml><?xml version="1.0" encoding="utf-8"?>
 <a:theme xmlns:a="http://schemas.openxmlformats.org/drawingml/2006/main" name="Thème Office">
   <a:themeElements>
